--- a/Bài 1/LATEX CƠ BẢN - Bài 1.pptx
+++ b/Bài 1/LATEX CƠ BẢN - Bài 1.pptx
@@ -20,15 +20,16 @@
     <p:sldId id="267" r:id="rId14"/>
     <p:sldId id="274" r:id="rId15"/>
     <p:sldId id="268" r:id="rId16"/>
-    <p:sldId id="270" r:id="rId17"/>
-    <p:sldId id="271" r:id="rId18"/>
-    <p:sldId id="277" r:id="rId19"/>
-    <p:sldId id="272" r:id="rId20"/>
-    <p:sldId id="278" r:id="rId21"/>
-    <p:sldId id="273" r:id="rId22"/>
-    <p:sldId id="279" r:id="rId23"/>
-    <p:sldId id="281" r:id="rId24"/>
-    <p:sldId id="280" r:id="rId25"/>
+    <p:sldId id="282" r:id="rId17"/>
+    <p:sldId id="270" r:id="rId18"/>
+    <p:sldId id="271" r:id="rId19"/>
+    <p:sldId id="277" r:id="rId20"/>
+    <p:sldId id="272" r:id="rId21"/>
+    <p:sldId id="278" r:id="rId22"/>
+    <p:sldId id="273" r:id="rId23"/>
+    <p:sldId id="279" r:id="rId24"/>
+    <p:sldId id="281" r:id="rId25"/>
+    <p:sldId id="280" r:id="rId26"/>
   </p:sldIdLst>
   <p:sldSz cx="12192000" cy="6858000"/>
   <p:notesSz cx="6858000" cy="9144000"/>
@@ -127,6 +128,11 @@
       </a:defRPr>
     </a:lvl9pPr>
   </p:defaultTextStyle>
+  <p:extLst>
+    <p:ext uri="{EFAFB233-063F-42B5-8137-9DF3F51BA10A}">
+      <p15:sldGuideLst xmlns:p15="http://schemas.microsoft.com/office/powerpoint/2012/main"/>
+    </p:ext>
+  </p:extLst>
 </p:presentation>
 </file>
 
@@ -852,7 +858,7 @@
           <a:p>
             <a:fld id="{C0F77542-EEBF-4180-89BA-8813A26235EF}" type="datetimeFigureOut">
               <a:rPr lang="vi-VN" smtClean="0"/>
-              <a:t>20/05/2021</a:t>
+              <a:t>21/05/2021</a:t>
             </a:fld>
             <a:endParaRPr lang="vi-VN"/>
           </a:p>
@@ -1103,7 +1109,7 @@
           <a:p>
             <a:fld id="{C0F77542-EEBF-4180-89BA-8813A26235EF}" type="datetimeFigureOut">
               <a:rPr lang="vi-VN" smtClean="0"/>
-              <a:t>20/05/2021</a:t>
+              <a:t>21/05/2021</a:t>
             </a:fld>
             <a:endParaRPr lang="vi-VN"/>
           </a:p>
@@ -1417,7 +1423,7 @@
           <a:p>
             <a:fld id="{C0F77542-EEBF-4180-89BA-8813A26235EF}" type="datetimeFigureOut">
               <a:rPr lang="vi-VN" smtClean="0"/>
-              <a:t>20/05/2021</a:t>
+              <a:t>21/05/2021</a:t>
             </a:fld>
             <a:endParaRPr lang="vi-VN"/>
           </a:p>
@@ -1758,7 +1764,7 @@
           <a:p>
             <a:fld id="{C0F77542-EEBF-4180-89BA-8813A26235EF}" type="datetimeFigureOut">
               <a:rPr lang="vi-VN" smtClean="0"/>
-              <a:t>20/05/2021</a:t>
+              <a:t>21/05/2021</a:t>
             </a:fld>
             <a:endParaRPr lang="vi-VN"/>
           </a:p>
@@ -2072,7 +2078,7 @@
           <a:p>
             <a:fld id="{C0F77542-EEBF-4180-89BA-8813A26235EF}" type="datetimeFigureOut">
               <a:rPr lang="vi-VN" smtClean="0"/>
-              <a:t>20/05/2021</a:t>
+              <a:t>21/05/2021</a:t>
             </a:fld>
             <a:endParaRPr lang="vi-VN"/>
           </a:p>
@@ -2465,7 +2471,7 @@
           <a:p>
             <a:fld id="{C0F77542-EEBF-4180-89BA-8813A26235EF}" type="datetimeFigureOut">
               <a:rPr lang="vi-VN" smtClean="0"/>
-              <a:t>20/05/2021</a:t>
+              <a:t>21/05/2021</a:t>
             </a:fld>
             <a:endParaRPr lang="vi-VN"/>
           </a:p>
@@ -2635,7 +2641,7 @@
           <a:p>
             <a:fld id="{C0F77542-EEBF-4180-89BA-8813A26235EF}" type="datetimeFigureOut">
               <a:rPr lang="vi-VN" smtClean="0"/>
-              <a:t>20/05/2021</a:t>
+              <a:t>21/05/2021</a:t>
             </a:fld>
             <a:endParaRPr lang="vi-VN"/>
           </a:p>
@@ -2815,7 +2821,7 @@
           <a:p>
             <a:fld id="{C0F77542-EEBF-4180-89BA-8813A26235EF}" type="datetimeFigureOut">
               <a:rPr lang="vi-VN" smtClean="0"/>
-              <a:t>20/05/2021</a:t>
+              <a:t>21/05/2021</a:t>
             </a:fld>
             <a:endParaRPr lang="vi-VN"/>
           </a:p>
@@ -2991,7 +2997,7 @@
           <a:p>
             <a:fld id="{C0F77542-EEBF-4180-89BA-8813A26235EF}" type="datetimeFigureOut">
               <a:rPr lang="vi-VN" smtClean="0"/>
-              <a:t>20/05/2021</a:t>
+              <a:t>21/05/2021</a:t>
             </a:fld>
             <a:endParaRPr lang="vi-VN"/>
           </a:p>
@@ -3238,7 +3244,7 @@
           <a:p>
             <a:fld id="{C0F77542-EEBF-4180-89BA-8813A26235EF}" type="datetimeFigureOut">
               <a:rPr lang="vi-VN" smtClean="0"/>
-              <a:t>20/05/2021</a:t>
+              <a:t>21/05/2021</a:t>
             </a:fld>
             <a:endParaRPr lang="vi-VN"/>
           </a:p>
@@ -3470,7 +3476,7 @@
           <a:p>
             <a:fld id="{C0F77542-EEBF-4180-89BA-8813A26235EF}" type="datetimeFigureOut">
               <a:rPr lang="vi-VN" smtClean="0"/>
-              <a:t>20/05/2021</a:t>
+              <a:t>21/05/2021</a:t>
             </a:fld>
             <a:endParaRPr lang="vi-VN"/>
           </a:p>
@@ -3844,7 +3850,7 @@
           <a:p>
             <a:fld id="{C0F77542-EEBF-4180-89BA-8813A26235EF}" type="datetimeFigureOut">
               <a:rPr lang="vi-VN" smtClean="0"/>
-              <a:t>20/05/2021</a:t>
+              <a:t>21/05/2021</a:t>
             </a:fld>
             <a:endParaRPr lang="vi-VN"/>
           </a:p>
@@ -3967,7 +3973,7 @@
           <a:p>
             <a:fld id="{C0F77542-EEBF-4180-89BA-8813A26235EF}" type="datetimeFigureOut">
               <a:rPr lang="vi-VN" smtClean="0"/>
-              <a:t>20/05/2021</a:t>
+              <a:t>21/05/2021</a:t>
             </a:fld>
             <a:endParaRPr lang="vi-VN"/>
           </a:p>
@@ -4062,7 +4068,7 @@
           <a:p>
             <a:fld id="{C0F77542-EEBF-4180-89BA-8813A26235EF}" type="datetimeFigureOut">
               <a:rPr lang="vi-VN" smtClean="0"/>
-              <a:t>20/05/2021</a:t>
+              <a:t>21/05/2021</a:t>
             </a:fld>
             <a:endParaRPr lang="vi-VN"/>
           </a:p>
@@ -4317,7 +4323,7 @@
           <a:p>
             <a:fld id="{C0F77542-EEBF-4180-89BA-8813A26235EF}" type="datetimeFigureOut">
               <a:rPr lang="vi-VN" smtClean="0"/>
-              <a:t>20/05/2021</a:t>
+              <a:t>21/05/2021</a:t>
             </a:fld>
             <a:endParaRPr lang="vi-VN"/>
           </a:p>
@@ -4580,7 +4586,7 @@
           <a:p>
             <a:fld id="{C0F77542-EEBF-4180-89BA-8813A26235EF}" type="datetimeFigureOut">
               <a:rPr lang="vi-VN" smtClean="0"/>
-              <a:t>20/05/2021</a:t>
+              <a:t>21/05/2021</a:t>
             </a:fld>
             <a:endParaRPr lang="vi-VN"/>
           </a:p>
@@ -5323,7 +5329,7 @@
           <a:p>
             <a:fld id="{C0F77542-EEBF-4180-89BA-8813A26235EF}" type="datetimeFigureOut">
               <a:rPr lang="vi-VN" smtClean="0"/>
-              <a:t>20/05/2021</a:t>
+              <a:t>21/05/2021</a:t>
             </a:fld>
             <a:endParaRPr lang="vi-VN"/>
           </a:p>
@@ -6659,45 +6665,221 @@
       </p:sp>
       <p:sp>
         <p:nvSpPr>
-          <p:cNvPr id="3" name="Content Placeholder 2"/>
-          <p:cNvSpPr>
-            <a:spLocks noGrp="1"/>
+          <p:cNvPr id="5" name="Rectangle 2"/>
+          <p:cNvSpPr>
+            <a:spLocks noGrp="1" noChangeArrowheads="1"/>
           </p:cNvSpPr>
           <p:nvPr>
             <p:ph idx="1"/>
           </p:nvPr>
         </p:nvSpPr>
-        <p:spPr>
+        <p:spPr bwMode="auto">
           <a:xfrm>
-            <a:off x="793244" y="2289378"/>
-            <a:ext cx="8596668" cy="3880773"/>
+            <a:off x="677334" y="2207504"/>
+            <a:ext cx="9277528" cy="2215991"/>
           </a:xfrm>
+          <a:prstGeom prst="rect">
+            <a:avLst/>
+          </a:prstGeom>
+          <a:solidFill>
+            <a:srgbClr val="FFFFFF"/>
+          </a:solidFill>
+          <a:ln>
+            <a:noFill/>
+          </a:ln>
+          <a:effectLst/>
+          <a:extLst>
+            <a:ext uri="{91240B29-F687-4F45-9708-019B960494DF}">
+              <a14:hiddenLine xmlns:a14="http://schemas.microsoft.com/office/drawing/2010/main" w="9525">
+                <a:solidFill>
+                  <a:schemeClr val="tx1"/>
+                </a:solidFill>
+                <a:miter lim="800000"/>
+                <a:headEnd/>
+                <a:tailEnd/>
+              </a14:hiddenLine>
+            </a:ext>
+            <a:ext uri="{AF507438-7753-43E0-B8FC-AC1667EBCBE1}">
+              <a14:hiddenEffects xmlns:a14="http://schemas.microsoft.com/office/drawing/2010/main">
+                <a:effectLst>
+                  <a:outerShdw dist="35921" dir="2700000" algn="ctr" rotWithShape="0">
+                    <a:schemeClr val="bg2"/>
+                  </a:outerShdw>
+                </a:effectLst>
+              </a14:hiddenEffects>
+            </a:ext>
+          </a:extLst>
         </p:spPr>
         <p:txBody>
-          <a:bodyPr>
-            <a:normAutofit/>
+          <a:bodyPr vert="horz" wrap="square" lIns="0" tIns="0" rIns="0" bIns="0" numCol="1" anchor="ctr" anchorCtr="0" compatLnSpc="1">
+            <a:prstTxWarp prst="textNoShape">
+              <a:avLst/>
+            </a:prstTxWarp>
+            <a:spAutoFit/>
           </a:bodyPr>
           <a:lstStyle/>
           <a:p>
-            <a:r>
-              <a:rPr lang="vi-VN" sz="3600" dirty="0" smtClean="0"/>
-              <a:t>Đầu vào của latex có thể là một tập văn </a:t>
-            </a:r>
-            <a:r>
-              <a:rPr lang="vi-VN" sz="3600" dirty="0"/>
-              <a:t>bản </a:t>
-            </a:r>
-            <a:r>
-              <a:rPr lang="vi-VN" sz="3600" dirty="0" smtClean="0"/>
-              <a:t>ASCII , có thể chứa các lệnh của Latex , khoảng cách , ...</a:t>
-            </a:r>
-          </a:p>
-          <a:p>
-            <a:r>
-              <a:rPr lang="vi-VN" sz="3600" dirty="0" smtClean="0"/>
-              <a:t>Đầu ra thường là .dvi hoặc .pdf</a:t>
-            </a:r>
-            <a:endParaRPr lang="vi-VN" sz="3600" dirty="0"/>
+            <a:pPr defTabSz="914400" eaLnBrk="0" fontAlgn="base" hangingPunct="0">
+              <a:spcBef>
+                <a:spcPct val="0"/>
+              </a:spcBef>
+              <a:spcAft>
+                <a:spcPct val="0"/>
+              </a:spcAft>
+              <a:buSzTx/>
+            </a:pPr>
+            <a:endParaRPr kumimoji="0" lang="vi-VN" altLang="vi-VN" sz="2400" b="0" i="0" u="none" strike="noStrike" cap="none" normalizeH="0" baseline="0" dirty="0" smtClean="0">
+              <a:ln>
+                <a:noFill/>
+              </a:ln>
+              <a:solidFill>
+                <a:schemeClr val="tx1"/>
+              </a:solidFill>
+              <a:effectLst/>
+              <a:latin typeface="Arial" panose="020B0604020202020204" pitchFamily="34" charset="0"/>
+            </a:endParaRPr>
+          </a:p>
+          <a:p>
+            <a:pPr defTabSz="914400" eaLnBrk="0" fontAlgn="base" hangingPunct="0">
+              <a:spcBef>
+                <a:spcPct val="0"/>
+              </a:spcBef>
+              <a:spcAft>
+                <a:spcPct val="0"/>
+              </a:spcAft>
+              <a:buSzTx/>
+            </a:pPr>
+            <a:r>
+              <a:rPr kumimoji="0" lang="vi-VN" altLang="vi-VN" sz="2400" b="1" i="0" u="none" strike="noStrike" cap="none" normalizeH="0" baseline="0" dirty="0" smtClean="0">
+                <a:ln>
+                  <a:noFill/>
+                </a:ln>
+                <a:solidFill>
+                  <a:srgbClr val="333333"/>
+                </a:solidFill>
+                <a:effectLst/>
+                <a:latin typeface="Arial" panose="020B0604020202020204" pitchFamily="34" charset="0"/>
+                <a:cs typeface="Arial" panose="020B0604020202020204" pitchFamily="34" charset="0"/>
+              </a:rPr>
+              <a:t>*.tex</a:t>
+            </a:r>
+            <a:r>
+              <a:rPr kumimoji="0" lang="vi-VN" altLang="vi-VN" sz="2400" b="0" i="0" u="none" strike="noStrike" cap="none" normalizeH="0" baseline="0" dirty="0" smtClean="0">
+                <a:ln>
+                  <a:noFill/>
+                </a:ln>
+                <a:solidFill>
+                  <a:srgbClr val="333333"/>
+                </a:solidFill>
+                <a:effectLst/>
+                <a:latin typeface="Arial" panose="020B0604020202020204" pitchFamily="34" charset="0"/>
+                <a:cs typeface="Arial" panose="020B0604020202020204" pitchFamily="34" charset="0"/>
+              </a:rPr>
+              <a:t> Tập tin nhập liệu của LaTeX (tệp tin nguồn)</a:t>
+            </a:r>
+          </a:p>
+          <a:p>
+            <a:pPr defTabSz="914400" eaLnBrk="0" fontAlgn="base" hangingPunct="0">
+              <a:spcBef>
+                <a:spcPct val="0"/>
+              </a:spcBef>
+              <a:spcAft>
+                <a:spcPct val="0"/>
+              </a:spcAft>
+              <a:buSzTx/>
+            </a:pPr>
+            <a:r>
+              <a:rPr kumimoji="0" lang="vi-VN" altLang="vi-VN" sz="2400" b="1" i="0" u="none" strike="noStrike" cap="none" normalizeH="0" baseline="0" dirty="0" smtClean="0">
+                <a:ln>
+                  <a:noFill/>
+                </a:ln>
+                <a:solidFill>
+                  <a:srgbClr val="333333"/>
+                </a:solidFill>
+                <a:effectLst/>
+                <a:latin typeface="Arial" panose="020B0604020202020204" pitchFamily="34" charset="0"/>
+                <a:cs typeface="Arial" panose="020B0604020202020204" pitchFamily="34" charset="0"/>
+              </a:rPr>
+              <a:t>*.sty</a:t>
+            </a:r>
+            <a:r>
+              <a:rPr kumimoji="0" lang="vi-VN" altLang="vi-VN" sz="2400" b="0" i="0" u="none" strike="noStrike" cap="none" normalizeH="0" baseline="0" dirty="0" smtClean="0">
+                <a:ln>
+                  <a:noFill/>
+                </a:ln>
+                <a:solidFill>
+                  <a:srgbClr val="333333"/>
+                </a:solidFill>
+                <a:effectLst/>
+                <a:latin typeface="Arial" panose="020B0604020202020204" pitchFamily="34" charset="0"/>
+                <a:cs typeface="Arial" panose="020B0604020202020204" pitchFamily="34" charset="0"/>
+              </a:rPr>
+              <a:t> Gói lệnh thêm vào cho LaTeX. Nó là một tập tin riêng lẽ và bạn có thể kết hợp nó vào tập tin tài liệu của bạn bằng cách sử dụng lệnh </a:t>
+            </a:r>
+            <a:r>
+              <a:rPr kumimoji="0" lang="vi-VN" altLang="vi-VN" sz="2400" b="0" i="0" u="none" strike="noStrike" cap="none" normalizeH="0" baseline="0" dirty="0" smtClean="0">
+                <a:ln>
+                  <a:noFill/>
+                </a:ln>
+                <a:solidFill>
+                  <a:srgbClr val="000000"/>
+                </a:solidFill>
+                <a:effectLst/>
+                <a:latin typeface="andale mono"/>
+                <a:cs typeface="Arial" panose="020B0604020202020204" pitchFamily="34" charset="0"/>
+              </a:rPr>
+              <a:t>\usepackage{}</a:t>
+            </a:r>
+            <a:endParaRPr kumimoji="0" lang="vi-VN" altLang="vi-VN" sz="2400" b="0" i="0" u="none" strike="noStrike" cap="none" normalizeH="0" baseline="0" dirty="0" smtClean="0">
+              <a:ln>
+                <a:noFill/>
+              </a:ln>
+              <a:solidFill>
+                <a:srgbClr val="333333"/>
+              </a:solidFill>
+              <a:effectLst/>
+              <a:latin typeface="Arial" panose="020B0604020202020204" pitchFamily="34" charset="0"/>
+              <a:cs typeface="Arial" panose="020B0604020202020204" pitchFamily="34" charset="0"/>
+            </a:endParaRPr>
+          </a:p>
+          <a:p>
+            <a:pPr defTabSz="914400" eaLnBrk="0" fontAlgn="base" hangingPunct="0">
+              <a:spcBef>
+                <a:spcPct val="0"/>
+              </a:spcBef>
+              <a:spcAft>
+                <a:spcPct val="0"/>
+              </a:spcAft>
+              <a:buSzTx/>
+            </a:pPr>
+            <a:r>
+              <a:rPr kumimoji="0" lang="vi-VN" altLang="vi-VN" sz="2400" b="1" i="0" u="none" strike="noStrike" cap="none" normalizeH="0" baseline="0" dirty="0" smtClean="0">
+                <a:ln>
+                  <a:noFill/>
+                </a:ln>
+                <a:solidFill>
+                  <a:srgbClr val="333333"/>
+                </a:solidFill>
+                <a:effectLst/>
+                <a:latin typeface="Arial" panose="020B0604020202020204" pitchFamily="34" charset="0"/>
+                <a:cs typeface="Arial" panose="020B0604020202020204" pitchFamily="34" charset="0"/>
+              </a:rPr>
+              <a:t>*.pdf</a:t>
+            </a:r>
+            <a:r>
+              <a:rPr kumimoji="0" lang="vi-VN" altLang="vi-VN" sz="2400" b="0" i="0" u="none" strike="noStrike" cap="none" normalizeH="0" baseline="0" dirty="0" smtClean="0">
+                <a:ln>
+                  <a:noFill/>
+                </a:ln>
+                <a:solidFill>
+                  <a:srgbClr val="333333"/>
+                </a:solidFill>
+                <a:effectLst/>
+                <a:latin typeface="Arial" panose="020B0604020202020204" pitchFamily="34" charset="0"/>
+                <a:cs typeface="Arial" panose="020B0604020202020204" pitchFamily="34" charset="0"/>
+              </a:rPr>
+              <a:t> Tệp tin xuất bản, tệp này sẽ xuất hiện sau khi bạn biên</a:t>
+            </a:r>
           </a:p>
         </p:txBody>
       </p:sp>
@@ -6766,13 +6948,13 @@
         </p:nvSpPr>
         <p:spPr>
           <a:xfrm>
-            <a:off x="947790" y="1403798"/>
-            <a:ext cx="8596668" cy="4690712"/>
+            <a:off x="677334" y="1270000"/>
+            <a:ext cx="9097731" cy="4690712"/>
           </a:xfrm>
         </p:spPr>
         <p:txBody>
           <a:bodyPr>
-            <a:normAutofit/>
+            <a:noAutofit/>
           </a:bodyPr>
           <a:lstStyle/>
           <a:p>
@@ -6780,14 +6962,14 @@
               <a:buNone/>
             </a:pPr>
             <a:r>
-              <a:rPr lang="vi-VN" sz="3200" b="1" i="1" dirty="0"/>
+              <a:rPr lang="vi-VN" sz="2400" b="1" i="1" dirty="0"/>
               <a:t/>
             </a:r>
             <a:br>
-              <a:rPr lang="vi-VN" sz="3200" b="1" i="1" dirty="0"/>
+              <a:rPr lang="vi-VN" sz="2400" b="1" i="1" dirty="0"/>
             </a:br>
             <a:r>
-              <a:rPr lang="vi-VN" sz="3200" b="1" dirty="0">
+              <a:rPr lang="vi-VN" sz="2400" b="1" dirty="0">
                 <a:solidFill>
                   <a:schemeClr val="accent1"/>
                 </a:solidFill>
@@ -6795,7 +6977,7 @@
               <a:t>\ </a:t>
             </a:r>
             <a:r>
-              <a:rPr lang="vi-VN" sz="3200" b="1" dirty="0" smtClean="0">
+              <a:rPr lang="vi-VN" sz="2400" b="1" dirty="0" smtClean="0">
                 <a:solidFill>
                   <a:schemeClr val="accent1"/>
                 </a:solidFill>
@@ -6803,7 +6985,7 @@
               <a:t>Documentclass[options</a:t>
             </a:r>
             <a:r>
-              <a:rPr lang="vi-VN" sz="3200" b="1" dirty="0">
+              <a:rPr lang="vi-VN" sz="2400" b="1" dirty="0">
                 <a:solidFill>
                   <a:schemeClr val="accent1"/>
                 </a:solidFill>
@@ -6811,7 +6993,7 @@
               <a:t>] {</a:t>
             </a:r>
             <a:r>
-              <a:rPr lang="vi-VN" sz="3200" b="1" dirty="0" smtClean="0">
+              <a:rPr lang="vi-VN" sz="2400" b="1" dirty="0" smtClean="0">
                 <a:solidFill>
                   <a:schemeClr val="accent1"/>
                 </a:solidFill>
@@ -6821,37 +7003,57 @@
           </a:p>
           <a:p>
             <a:r>
-              <a:rPr lang="vi-VN" sz="3200" dirty="0" smtClean="0"/>
-              <a:t>Các lệnh LaTeX được khai báo sau dấu \ (splash)</a:t>
-            </a:r>
-          </a:p>
-          <a:p>
-            <a:r>
-              <a:rPr lang="vi-VN" sz="3200" dirty="0" smtClean="0"/>
-              <a:t>Options trong lệnh Documentclass là kích thước font chữ mặc định của toàn bộ văn bản trong latex , mặc định font size là 10 pt</a:t>
-            </a:r>
-          </a:p>
-          <a:p>
-            <a:r>
-              <a:rPr lang="vi-VN" sz="3200" i="1" dirty="0" smtClean="0"/>
-              <a:t>VD : \Documentclass[15pt</a:t>
-            </a:r>
-            <a:r>
-              <a:rPr lang="vi-VN" sz="3200" i="1" dirty="0"/>
-              <a:t>]{article}</a:t>
-            </a:r>
-          </a:p>
-          <a:p>
-            <a:endParaRPr lang="vi-VN" sz="3200" dirty="0" smtClean="0"/>
+              <a:rPr lang="vi-VN" sz="2400" dirty="0" smtClean="0"/>
+              <a:t>Các lệnh LaTeX được khai báo sau dấu \ (splash</a:t>
+            </a:r>
+            <a:r>
+              <a:rPr lang="vi-VN" sz="2400" dirty="0" smtClean="0"/>
+              <a:t>)</a:t>
+            </a:r>
+          </a:p>
+          <a:p>
+            <a:r>
+              <a:rPr lang="vi-VN" sz="2400" b="1" dirty="0"/>
+              <a:t>article</a:t>
+            </a:r>
+            <a:r>
+              <a:rPr lang="vi-VN" sz="2400" dirty="0"/>
+              <a:t> phù hợp khi soạn các bài báo trong các tạp chí khoa học, các văn bản trình diễn, các báo cáo ngắn, chương trình hoạt động, thư mời, . . .</a:t>
+            </a:r>
+          </a:p>
+          <a:p>
+            <a:r>
+              <a:rPr lang="vi-VN" sz="2400" b="1" dirty="0"/>
+              <a:t>report</a:t>
+            </a:r>
+            <a:r>
+              <a:rPr lang="vi-VN" sz="2400" dirty="0"/>
+              <a:t> phù hợp khi soạn các báo cáo gồm nhiều chương, các quyển sáchnhỏ, luận văn,. . .</a:t>
+            </a:r>
+          </a:p>
+          <a:p>
+            <a:r>
+              <a:rPr lang="vi-VN" sz="2400" b="1" dirty="0"/>
+              <a:t>book</a:t>
+            </a:r>
+            <a:r>
+              <a:rPr lang="vi-VN" sz="2400" dirty="0"/>
+              <a:t> phù hợp khi soạn </a:t>
+            </a:r>
+            <a:r>
+              <a:rPr lang="vi-VN" sz="2400" dirty="0" smtClean="0"/>
+              <a:t>sách</a:t>
+            </a:r>
+            <a:endParaRPr lang="vi-VN" sz="2400" dirty="0" smtClean="0"/>
           </a:p>
           <a:p>
             <a:pPr marL="0" indent="0">
               <a:buNone/>
             </a:pPr>
-            <a:endParaRPr lang="vi-VN" sz="3200" dirty="0" smtClean="0"/>
-          </a:p>
-          <a:p>
-            <a:endParaRPr lang="vi-VN" sz="3200" dirty="0"/>
+            <a:endParaRPr lang="vi-VN" sz="2400" dirty="0" smtClean="0"/>
+          </a:p>
+          <a:p>
+            <a:endParaRPr lang="vi-VN" sz="2400" dirty="0"/>
           </a:p>
         </p:txBody>
       </p:sp>
@@ -6908,8 +7110,8 @@
           <a:lstStyle/>
           <a:p>
             <a:r>
-              <a:rPr lang="vi-VN" dirty="0"/>
-              <a:t>Khai báo các gói lệnh sử dụng</a:t>
+              <a:rPr lang="en-US" dirty="0" smtClean="0"/>
+              <a:t>PHẦN MỞ ĐẦU CỦA MỘT FILE LATEX</a:t>
             </a:r>
             <a:endParaRPr lang="vi-VN" dirty="0"/>
           </a:p>
@@ -6927,13 +7129,13 @@
         </p:nvSpPr>
         <p:spPr>
           <a:xfrm>
-            <a:off x="-237066" y="2637107"/>
-            <a:ext cx="10797742" cy="3880773"/>
+            <a:off x="677334" y="1270000"/>
+            <a:ext cx="9097731" cy="4690712"/>
           </a:xfrm>
         </p:spPr>
         <p:txBody>
           <a:bodyPr>
-            <a:normAutofit/>
+            <a:noAutofit/>
           </a:bodyPr>
           <a:lstStyle/>
           <a:p>
@@ -6941,35 +7143,85 @@
               <a:buNone/>
             </a:pPr>
             <a:r>
-              <a:rPr lang="vi-VN" sz="4400" dirty="0" smtClean="0"/>
-              <a:t>Cú pháp: </a:t>
-            </a:r>
-          </a:p>
-          <a:p>
-            <a:pPr marL="0" indent="0" algn="ctr">
+              <a:rPr lang="vi-VN" sz="2400" b="1" i="1" dirty="0"/>
+              <a:t/>
+            </a:r>
+            <a:br>
+              <a:rPr lang="vi-VN" sz="2400" b="1" i="1" dirty="0"/>
+            </a:br>
+            <a:r>
+              <a:rPr lang="vi-VN" sz="2400" b="1" dirty="0">
+                <a:solidFill>
+                  <a:schemeClr val="accent1"/>
+                </a:solidFill>
+              </a:rPr>
+              <a:t>\ </a:t>
+            </a:r>
+            <a:r>
+              <a:rPr lang="vi-VN" sz="2400" b="1" dirty="0" smtClean="0">
+                <a:solidFill>
+                  <a:schemeClr val="accent1"/>
+                </a:solidFill>
+              </a:rPr>
+              <a:t>Documentclass[options</a:t>
+            </a:r>
+            <a:r>
+              <a:rPr lang="vi-VN" sz="2400" b="1" dirty="0">
+                <a:solidFill>
+                  <a:schemeClr val="accent1"/>
+                </a:solidFill>
+              </a:rPr>
+              <a:t>] {</a:t>
+            </a:r>
+            <a:r>
+              <a:rPr lang="vi-VN" sz="2400" b="1" dirty="0" smtClean="0">
+                <a:solidFill>
+                  <a:schemeClr val="accent1"/>
+                </a:solidFill>
+              </a:rPr>
+              <a:t>article}</a:t>
+            </a:r>
+          </a:p>
+          <a:p>
+            <a:r>
+              <a:rPr lang="vi-VN" sz="2400" dirty="0"/>
+              <a:t>Options trong lệnh Documentclass là kích thước font chữ mặc định của toàn bộ văn bản trong latex , mặc định font size là 10 pt</a:t>
+            </a:r>
+          </a:p>
+          <a:p>
+            <a:r>
+              <a:rPr lang="vi-VN" sz="2400" i="1" dirty="0"/>
+              <a:t>VD : \Documentclass[15pt]{article}</a:t>
+            </a:r>
+          </a:p>
+          <a:p>
+            <a:pPr marL="0" indent="0">
               <a:buNone/>
             </a:pPr>
-            <a:r>
-              <a:rPr lang="vi-VN" sz="4400" b="1" dirty="0" smtClean="0">
-                <a:solidFill>
-                  <a:schemeClr val="accent1"/>
-                </a:solidFill>
-              </a:rPr>
-              <a:t>\unpackage[options]{tên gói lệnh}</a:t>
-            </a:r>
+            <a:endParaRPr lang="vi-VN" sz="2400" dirty="0" smtClean="0"/>
+          </a:p>
+          <a:p>
+            <a:endParaRPr lang="vi-VN" sz="2400" dirty="0"/>
           </a:p>
         </p:txBody>
       </p:sp>
     </p:spTree>
     <p:extLst>
       <p:ext uri="{BB962C8B-B14F-4D97-AF65-F5344CB8AC3E}">
-        <p14:creationId xmlns:p14="http://schemas.microsoft.com/office/powerpoint/2010/main" val="940974117"/>
+        <p14:creationId xmlns:p14="http://schemas.microsoft.com/office/powerpoint/2010/main" val="172330463"/>
       </p:ext>
     </p:extLst>
   </p:cSld>
   <p:clrMapOvr>
     <a:masterClrMapping/>
   </p:clrMapOvr>
+  <p:timing>
+    <p:tnLst>
+      <p:par>
+        <p:cTn id="1" dur="indefinite" restart="never" nodeType="tmRoot"/>
+      </p:par>
+    </p:tnLst>
+  </p:timing>
 </p:sld>
 </file>
 
@@ -7006,10 +7258,9 @@
           <a:lstStyle/>
           <a:p>
             <a:r>
-              <a:rPr lang="vi-VN" dirty="0" smtClean="0"/>
-              <a:t>Các gói lệnh hay sử dụng </a:t>
-            </a:r>
-            <a:endParaRPr lang="vi-VN" dirty="0"/>
+              <a:rPr lang="vi-VN" dirty="0"/>
+              <a:t>Khai báo các gói lệnh sử dụng</a:t>
+            </a:r>
           </a:p>
         </p:txBody>
       </p:sp>
@@ -7025,288 +7276,43 @@
         </p:nvSpPr>
         <p:spPr>
           <a:xfrm>
-            <a:off x="677334" y="2084947"/>
-            <a:ext cx="9418489" cy="3880773"/>
+            <a:off x="-237066" y="2637107"/>
+            <a:ext cx="10797742" cy="3880773"/>
           </a:xfrm>
         </p:spPr>
         <p:txBody>
           <a:bodyPr>
-            <a:noAutofit/>
+            <a:normAutofit/>
           </a:bodyPr>
           <a:lstStyle/>
           <a:p>
-            <a:r>
-              <a:rPr lang="en-US" sz="3200" dirty="0" err="1" smtClean="0"/>
-              <a:t>Gói</a:t>
-            </a:r>
-            <a:r>
-              <a:rPr lang="en-US" sz="3200" dirty="0" smtClean="0"/>
-              <a:t> </a:t>
-            </a:r>
-            <a:r>
-              <a:rPr lang="en-US" sz="3200" dirty="0" err="1" smtClean="0"/>
-              <a:t>ngôn</a:t>
-            </a:r>
-            <a:r>
-              <a:rPr lang="en-US" sz="3200" dirty="0" smtClean="0"/>
-              <a:t> </a:t>
-            </a:r>
-            <a:r>
-              <a:rPr lang="en-US" sz="3200" dirty="0" err="1" smtClean="0"/>
-              <a:t>ngữ</a:t>
-            </a:r>
-            <a:r>
-              <a:rPr lang="en-US" sz="3200" dirty="0" smtClean="0"/>
-              <a:t> </a:t>
-            </a:r>
-            <a:r>
-              <a:rPr lang="en-US" sz="3200" dirty="0" err="1" smtClean="0"/>
-              <a:t>tiếng</a:t>
-            </a:r>
-            <a:r>
-              <a:rPr lang="en-US" sz="3200" dirty="0" smtClean="0"/>
-              <a:t> </a:t>
-            </a:r>
-            <a:r>
-              <a:rPr lang="en-US" sz="3200" dirty="0" err="1" smtClean="0"/>
-              <a:t>việt</a:t>
-            </a:r>
-            <a:r>
-              <a:rPr lang="en-US" sz="3200" dirty="0"/>
-              <a:t>: \</a:t>
-            </a:r>
-            <a:r>
-              <a:rPr lang="en-US" sz="3200" dirty="0" err="1"/>
-              <a:t>usepackage</a:t>
-            </a:r>
-            <a:r>
-              <a:rPr lang="en-US" sz="3200" dirty="0"/>
-              <a:t>[utf8]{</a:t>
-            </a:r>
-            <a:r>
-              <a:rPr lang="en-US" sz="3200" dirty="0" err="1"/>
-              <a:t>vietnam</a:t>
-            </a:r>
-            <a:r>
-              <a:rPr lang="en-US" sz="3200" dirty="0" smtClean="0"/>
-              <a:t>}</a:t>
-            </a:r>
-          </a:p>
-          <a:p>
-            <a:r>
-              <a:rPr lang="en-US" sz="3200" dirty="0" err="1" smtClean="0"/>
-              <a:t>Gói</a:t>
-            </a:r>
-            <a:r>
-              <a:rPr lang="en-US" sz="3200" dirty="0" smtClean="0"/>
-              <a:t> </a:t>
-            </a:r>
-            <a:r>
-              <a:rPr lang="en-US" sz="3200" dirty="0" err="1" smtClean="0"/>
-              <a:t>gạch</a:t>
-            </a:r>
-            <a:r>
-              <a:rPr lang="en-US" sz="3200" dirty="0" smtClean="0"/>
-              <a:t> </a:t>
-            </a:r>
-            <a:r>
-              <a:rPr lang="en-US" sz="3200" dirty="0" err="1" smtClean="0"/>
-              <a:t>chân</a:t>
-            </a:r>
-            <a:r>
-              <a:rPr lang="en-US" sz="3200" dirty="0" smtClean="0"/>
-              <a:t> </a:t>
-            </a:r>
-            <a:r>
-              <a:rPr lang="en-US" sz="3200" dirty="0" err="1" smtClean="0"/>
-              <a:t>văn</a:t>
-            </a:r>
-            <a:r>
-              <a:rPr lang="en-US" sz="3200" dirty="0" smtClean="0"/>
-              <a:t> </a:t>
-            </a:r>
-            <a:r>
-              <a:rPr lang="en-US" sz="3200" dirty="0" err="1" smtClean="0"/>
-              <a:t>bản</a:t>
-            </a:r>
-            <a:r>
-              <a:rPr lang="en-US" sz="3200" dirty="0"/>
-              <a:t> : \</a:t>
-            </a:r>
-            <a:r>
-              <a:rPr lang="en-US" sz="3200" dirty="0" err="1"/>
-              <a:t>usepackage</a:t>
-            </a:r>
-            <a:r>
-              <a:rPr lang="en-US" sz="3200" dirty="0"/>
-              <a:t>{</a:t>
-            </a:r>
-            <a:r>
-              <a:rPr lang="en-US" sz="3200" dirty="0" err="1"/>
-              <a:t>ulem</a:t>
-            </a:r>
-            <a:r>
-              <a:rPr lang="en-US" sz="3200" dirty="0" smtClean="0"/>
-              <a:t>}</a:t>
-            </a:r>
-          </a:p>
-          <a:p>
-            <a:r>
-              <a:rPr lang="en-US" sz="3200" dirty="0" err="1" smtClean="0"/>
-              <a:t>Gói</a:t>
-            </a:r>
-            <a:r>
-              <a:rPr lang="en-US" sz="3200" dirty="0" smtClean="0"/>
-              <a:t> </a:t>
-            </a:r>
-            <a:r>
-              <a:rPr lang="en-US" sz="3200" dirty="0" err="1" smtClean="0"/>
-              <a:t>viết</a:t>
-            </a:r>
-            <a:r>
-              <a:rPr lang="en-US" sz="3200" dirty="0" smtClean="0"/>
-              <a:t> </a:t>
-            </a:r>
-            <a:r>
-              <a:rPr lang="en-US" sz="3200" dirty="0" err="1" smtClean="0"/>
-              <a:t>ký</a:t>
-            </a:r>
-            <a:r>
-              <a:rPr lang="en-US" sz="3200" dirty="0" smtClean="0"/>
-              <a:t> </a:t>
-            </a:r>
-            <a:r>
-              <a:rPr lang="en-US" sz="3200" dirty="0" err="1" smtClean="0"/>
-              <a:t>hiệu</a:t>
-            </a:r>
-            <a:r>
-              <a:rPr lang="en-US" sz="3200" dirty="0" smtClean="0"/>
-              <a:t> </a:t>
-            </a:r>
-            <a:r>
-              <a:rPr lang="en-US" sz="3200" dirty="0" err="1" smtClean="0"/>
-              <a:t>toán</a:t>
-            </a:r>
-            <a:r>
-              <a:rPr lang="en-US" sz="3200" dirty="0" smtClean="0"/>
-              <a:t> </a:t>
-            </a:r>
-            <a:r>
-              <a:rPr lang="en-US" sz="3200" dirty="0" err="1" smtClean="0"/>
-              <a:t>học</a:t>
-            </a:r>
-            <a:r>
-              <a:rPr lang="en-US" sz="3200" dirty="0" smtClean="0"/>
-              <a:t>:\</a:t>
-            </a:r>
-            <a:r>
-              <a:rPr lang="en-US" sz="3200" dirty="0" err="1" smtClean="0"/>
-              <a:t>usepackage</a:t>
-            </a:r>
-            <a:r>
-              <a:rPr lang="en-US" sz="3200" dirty="0" smtClean="0"/>
-              <a:t>{</a:t>
-            </a:r>
-            <a:r>
-              <a:rPr lang="en-US" sz="3200" dirty="0" err="1" smtClean="0"/>
-              <a:t>amsmath</a:t>
-            </a:r>
-            <a:r>
-              <a:rPr lang="en-US" sz="3200" dirty="0" smtClean="0"/>
-              <a:t>}</a:t>
-            </a:r>
-          </a:p>
-          <a:p>
-            <a:r>
-              <a:rPr lang="en-US" sz="3200" dirty="0" err="1" smtClean="0"/>
-              <a:t>Gói</a:t>
-            </a:r>
-            <a:r>
-              <a:rPr lang="en-US" sz="3200" dirty="0" smtClean="0"/>
-              <a:t> </a:t>
-            </a:r>
-            <a:r>
-              <a:rPr lang="en-US" sz="3200" dirty="0" err="1" smtClean="0"/>
-              <a:t>thêm</a:t>
-            </a:r>
-            <a:r>
-              <a:rPr lang="en-US" sz="3200" dirty="0" smtClean="0"/>
-              <a:t> </a:t>
-            </a:r>
-            <a:r>
-              <a:rPr lang="en-US" sz="3200" dirty="0" err="1" smtClean="0"/>
-              <a:t>hình</a:t>
-            </a:r>
-            <a:r>
-              <a:rPr lang="en-US" sz="3200" dirty="0" smtClean="0"/>
-              <a:t> </a:t>
-            </a:r>
-            <a:r>
-              <a:rPr lang="en-US" sz="3200" dirty="0" err="1" smtClean="0"/>
-              <a:t>ảnh</a:t>
-            </a:r>
-            <a:r>
-              <a:rPr lang="en-US" sz="3200" dirty="0" smtClean="0"/>
-              <a:t> </a:t>
-            </a:r>
-            <a:r>
-              <a:rPr lang="en-US" sz="3200" dirty="0" err="1" smtClean="0"/>
-              <a:t>từ</a:t>
-            </a:r>
-            <a:r>
-              <a:rPr lang="en-US" sz="3200" dirty="0" smtClean="0"/>
-              <a:t> </a:t>
-            </a:r>
-            <a:r>
-              <a:rPr lang="en-US" sz="3200" dirty="0" err="1" smtClean="0"/>
-              <a:t>bên</a:t>
-            </a:r>
-            <a:r>
-              <a:rPr lang="en-US" sz="3200" dirty="0" smtClean="0"/>
-              <a:t> </a:t>
-            </a:r>
-            <a:r>
-              <a:rPr lang="en-US" sz="3200" dirty="0" err="1" smtClean="0"/>
-              <a:t>ngoài</a:t>
-            </a:r>
-            <a:r>
-              <a:rPr lang="en-US" sz="3200" dirty="0"/>
-              <a:t> \</a:t>
-            </a:r>
-            <a:r>
-              <a:rPr lang="en-US" sz="3200" dirty="0" err="1"/>
-              <a:t>usepackage</a:t>
-            </a:r>
-            <a:r>
-              <a:rPr lang="en-US" sz="3200" dirty="0"/>
-              <a:t>{</a:t>
-            </a:r>
-            <a:r>
-              <a:rPr lang="en-US" sz="3200" dirty="0" err="1"/>
-              <a:t>graphicx</a:t>
-            </a:r>
-            <a:r>
-              <a:rPr lang="en-US" sz="3200" dirty="0"/>
-              <a:t>} </a:t>
-            </a:r>
-            <a:endParaRPr lang="en-US" sz="3200" dirty="0" smtClean="0"/>
-          </a:p>
-          <a:p>
             <a:pPr marL="0" indent="0" algn="ctr">
               <a:buNone/>
             </a:pPr>
             <a:r>
-              <a:rPr lang="en-US" sz="3200" dirty="0" smtClean="0"/>
-              <a:t>…</a:t>
-            </a:r>
-            <a:endParaRPr lang="vi-VN" sz="3200" dirty="0"/>
+              <a:rPr lang="vi-VN" sz="4400" dirty="0" smtClean="0"/>
+              <a:t>Cú pháp: </a:t>
+            </a:r>
+          </a:p>
+          <a:p>
+            <a:pPr marL="0" indent="0" algn="ctr">
+              <a:buNone/>
+            </a:pPr>
+            <a:r>
+              <a:rPr lang="vi-VN" sz="4400" b="1" dirty="0" smtClean="0">
+                <a:solidFill>
+                  <a:schemeClr val="accent1"/>
+                </a:solidFill>
+              </a:rPr>
+              <a:t>\unpackage[options]{tên gói lệnh}</a:t>
+            </a:r>
           </a:p>
         </p:txBody>
       </p:sp>
     </p:spTree>
     <p:extLst>
       <p:ext uri="{BB962C8B-B14F-4D97-AF65-F5344CB8AC3E}">
-        <p14:creationId xmlns:p14="http://schemas.microsoft.com/office/powerpoint/2010/main" val="3101947269"/>
+        <p14:creationId xmlns:p14="http://schemas.microsoft.com/office/powerpoint/2010/main" val="940974117"/>
       </p:ext>
     </p:extLst>
   </p:cSld>
@@ -7350,7 +7356,7 @@
           <a:p>
             <a:r>
               <a:rPr lang="vi-VN" dirty="0" smtClean="0"/>
-              <a:t>KHAI BÁO TIÊU ĐỀ , TÁC GIẢ , NGÀY THÁNG </a:t>
+              <a:t>Các gói lệnh hay sử dụng </a:t>
             </a:r>
             <a:endParaRPr lang="vi-VN" dirty="0"/>
           </a:p>
@@ -7368,49 +7374,288 @@
         </p:nvSpPr>
         <p:spPr>
           <a:xfrm>
-            <a:off x="896275" y="2495439"/>
-            <a:ext cx="8596668" cy="3880773"/>
+            <a:off x="677334" y="2084947"/>
+            <a:ext cx="9418489" cy="3880773"/>
           </a:xfrm>
         </p:spPr>
         <p:txBody>
           <a:bodyPr>
-            <a:normAutofit/>
+            <a:noAutofit/>
           </a:bodyPr>
           <a:lstStyle/>
           <a:p>
-            <a:pPr marL="0" indent="0">
+            <a:r>
+              <a:rPr lang="en-US" sz="3200" dirty="0" err="1" smtClean="0"/>
+              <a:t>Gói</a:t>
+            </a:r>
+            <a:r>
+              <a:rPr lang="en-US" sz="3200" dirty="0" smtClean="0"/>
+              <a:t> </a:t>
+            </a:r>
+            <a:r>
+              <a:rPr lang="en-US" sz="3200" dirty="0" err="1" smtClean="0"/>
+              <a:t>ngôn</a:t>
+            </a:r>
+            <a:r>
+              <a:rPr lang="en-US" sz="3200" dirty="0" smtClean="0"/>
+              <a:t> </a:t>
+            </a:r>
+            <a:r>
+              <a:rPr lang="en-US" sz="3200" dirty="0" err="1" smtClean="0"/>
+              <a:t>ngữ</a:t>
+            </a:r>
+            <a:r>
+              <a:rPr lang="en-US" sz="3200" dirty="0" smtClean="0"/>
+              <a:t> </a:t>
+            </a:r>
+            <a:r>
+              <a:rPr lang="en-US" sz="3200" dirty="0" err="1" smtClean="0"/>
+              <a:t>tiếng</a:t>
+            </a:r>
+            <a:r>
+              <a:rPr lang="en-US" sz="3200" dirty="0" smtClean="0"/>
+              <a:t> </a:t>
+            </a:r>
+            <a:r>
+              <a:rPr lang="en-US" sz="3200" dirty="0" err="1" smtClean="0"/>
+              <a:t>việt</a:t>
+            </a:r>
+            <a:r>
+              <a:rPr lang="en-US" sz="3200" dirty="0"/>
+              <a:t>: \</a:t>
+            </a:r>
+            <a:r>
+              <a:rPr lang="en-US" sz="3200" dirty="0" err="1"/>
+              <a:t>usepackage</a:t>
+            </a:r>
+            <a:r>
+              <a:rPr lang="en-US" sz="3200" dirty="0"/>
+              <a:t>[utf8]{</a:t>
+            </a:r>
+            <a:r>
+              <a:rPr lang="en-US" sz="3200" dirty="0" err="1"/>
+              <a:t>vietnam</a:t>
+            </a:r>
+            <a:r>
+              <a:rPr lang="en-US" sz="3200" dirty="0" smtClean="0"/>
+              <a:t>}</a:t>
+            </a:r>
+          </a:p>
+          <a:p>
+            <a:r>
+              <a:rPr lang="en-US" sz="3200" dirty="0" err="1" smtClean="0"/>
+              <a:t>Gói</a:t>
+            </a:r>
+            <a:r>
+              <a:rPr lang="en-US" sz="3200" dirty="0" smtClean="0"/>
+              <a:t> </a:t>
+            </a:r>
+            <a:r>
+              <a:rPr lang="en-US" sz="3200" dirty="0" err="1" smtClean="0"/>
+              <a:t>gạch</a:t>
+            </a:r>
+            <a:r>
+              <a:rPr lang="en-US" sz="3200" dirty="0" smtClean="0"/>
+              <a:t> </a:t>
+            </a:r>
+            <a:r>
+              <a:rPr lang="en-US" sz="3200" dirty="0" err="1" smtClean="0"/>
+              <a:t>chân</a:t>
+            </a:r>
+            <a:r>
+              <a:rPr lang="en-US" sz="3200" dirty="0" smtClean="0"/>
+              <a:t> </a:t>
+            </a:r>
+            <a:r>
+              <a:rPr lang="en-US" sz="3200" dirty="0" err="1" smtClean="0"/>
+              <a:t>văn</a:t>
+            </a:r>
+            <a:r>
+              <a:rPr lang="en-US" sz="3200" dirty="0" smtClean="0"/>
+              <a:t> </a:t>
+            </a:r>
+            <a:r>
+              <a:rPr lang="en-US" sz="3200" dirty="0" err="1" smtClean="0"/>
+              <a:t>bản</a:t>
+            </a:r>
+            <a:r>
+              <a:rPr lang="en-US" sz="3200" dirty="0"/>
+              <a:t> : \</a:t>
+            </a:r>
+            <a:r>
+              <a:rPr lang="en-US" sz="3200" dirty="0" err="1"/>
+              <a:t>usepackage</a:t>
+            </a:r>
+            <a:r>
+              <a:rPr lang="en-US" sz="3200" dirty="0"/>
+              <a:t>{</a:t>
+            </a:r>
+            <a:r>
+              <a:rPr lang="en-US" sz="3200" dirty="0" err="1"/>
+              <a:t>ulem</a:t>
+            </a:r>
+            <a:r>
+              <a:rPr lang="en-US" sz="3200" dirty="0" smtClean="0"/>
+              <a:t>}</a:t>
+            </a:r>
+          </a:p>
+          <a:p>
+            <a:r>
+              <a:rPr lang="en-US" sz="3200" dirty="0" err="1" smtClean="0"/>
+              <a:t>Gói</a:t>
+            </a:r>
+            <a:r>
+              <a:rPr lang="en-US" sz="3200" dirty="0" smtClean="0"/>
+              <a:t> </a:t>
+            </a:r>
+            <a:r>
+              <a:rPr lang="en-US" sz="3200" dirty="0" err="1" smtClean="0"/>
+              <a:t>viết</a:t>
+            </a:r>
+            <a:r>
+              <a:rPr lang="en-US" sz="3200" dirty="0" smtClean="0"/>
+              <a:t> </a:t>
+            </a:r>
+            <a:r>
+              <a:rPr lang="en-US" sz="3200" dirty="0" err="1" smtClean="0"/>
+              <a:t>ký</a:t>
+            </a:r>
+            <a:r>
+              <a:rPr lang="en-US" sz="3200" dirty="0" smtClean="0"/>
+              <a:t> </a:t>
+            </a:r>
+            <a:r>
+              <a:rPr lang="en-US" sz="3200" dirty="0" err="1" smtClean="0"/>
+              <a:t>hiệu</a:t>
+            </a:r>
+            <a:r>
+              <a:rPr lang="en-US" sz="3200" dirty="0" smtClean="0"/>
+              <a:t> </a:t>
+            </a:r>
+            <a:r>
+              <a:rPr lang="en-US" sz="3200" dirty="0" err="1" smtClean="0"/>
+              <a:t>toán</a:t>
+            </a:r>
+            <a:r>
+              <a:rPr lang="en-US" sz="3200" dirty="0" smtClean="0"/>
+              <a:t> </a:t>
+            </a:r>
+            <a:r>
+              <a:rPr lang="en-US" sz="3200" dirty="0" err="1" smtClean="0"/>
+              <a:t>học</a:t>
+            </a:r>
+            <a:r>
+              <a:rPr lang="en-US" sz="3200" dirty="0" smtClean="0"/>
+              <a:t>:\</a:t>
+            </a:r>
+            <a:r>
+              <a:rPr lang="en-US" sz="3200" dirty="0" err="1" smtClean="0"/>
+              <a:t>usepackage</a:t>
+            </a:r>
+            <a:r>
+              <a:rPr lang="en-US" sz="3200" dirty="0" smtClean="0"/>
+              <a:t>{</a:t>
+            </a:r>
+            <a:r>
+              <a:rPr lang="en-US" sz="3200" dirty="0" err="1" smtClean="0"/>
+              <a:t>amsmath</a:t>
+            </a:r>
+            <a:r>
+              <a:rPr lang="en-US" sz="3200" dirty="0" smtClean="0"/>
+              <a:t>}</a:t>
+            </a:r>
+          </a:p>
+          <a:p>
+            <a:r>
+              <a:rPr lang="en-US" sz="3200" dirty="0" err="1" smtClean="0"/>
+              <a:t>Gói</a:t>
+            </a:r>
+            <a:r>
+              <a:rPr lang="en-US" sz="3200" dirty="0" smtClean="0"/>
+              <a:t> </a:t>
+            </a:r>
+            <a:r>
+              <a:rPr lang="en-US" sz="3200" dirty="0" err="1" smtClean="0"/>
+              <a:t>thêm</a:t>
+            </a:r>
+            <a:r>
+              <a:rPr lang="en-US" sz="3200" dirty="0" smtClean="0"/>
+              <a:t> </a:t>
+            </a:r>
+            <a:r>
+              <a:rPr lang="en-US" sz="3200" dirty="0" err="1" smtClean="0"/>
+              <a:t>hình</a:t>
+            </a:r>
+            <a:r>
+              <a:rPr lang="en-US" sz="3200" dirty="0" smtClean="0"/>
+              <a:t> </a:t>
+            </a:r>
+            <a:r>
+              <a:rPr lang="en-US" sz="3200" dirty="0" err="1" smtClean="0"/>
+              <a:t>ảnh</a:t>
+            </a:r>
+            <a:r>
+              <a:rPr lang="en-US" sz="3200" dirty="0" smtClean="0"/>
+              <a:t> </a:t>
+            </a:r>
+            <a:r>
+              <a:rPr lang="en-US" sz="3200" dirty="0" err="1" smtClean="0"/>
+              <a:t>từ</a:t>
+            </a:r>
+            <a:r>
+              <a:rPr lang="en-US" sz="3200" dirty="0" smtClean="0"/>
+              <a:t> </a:t>
+            </a:r>
+            <a:r>
+              <a:rPr lang="en-US" sz="3200" dirty="0" err="1" smtClean="0"/>
+              <a:t>bên</a:t>
+            </a:r>
+            <a:r>
+              <a:rPr lang="en-US" sz="3200" dirty="0" smtClean="0"/>
+              <a:t> </a:t>
+            </a:r>
+            <a:r>
+              <a:rPr lang="en-US" sz="3200" dirty="0" err="1" smtClean="0"/>
+              <a:t>ngoài</a:t>
+            </a:r>
+            <a:r>
+              <a:rPr lang="en-US" sz="3200" dirty="0"/>
+              <a:t> \</a:t>
+            </a:r>
+            <a:r>
+              <a:rPr lang="en-US" sz="3200" dirty="0" err="1"/>
+              <a:t>usepackage</a:t>
+            </a:r>
+            <a:r>
+              <a:rPr lang="en-US" sz="3200" dirty="0"/>
+              <a:t>{</a:t>
+            </a:r>
+            <a:r>
+              <a:rPr lang="en-US" sz="3200" dirty="0" err="1"/>
+              <a:t>graphicx</a:t>
+            </a:r>
+            <a:r>
+              <a:rPr lang="en-US" sz="3200" dirty="0"/>
+              <a:t>} </a:t>
+            </a:r>
+            <a:endParaRPr lang="en-US" sz="3200" dirty="0" smtClean="0"/>
+          </a:p>
+          <a:p>
+            <a:pPr marL="0" indent="0" algn="ctr">
               <a:buNone/>
             </a:pPr>
             <a:r>
-              <a:rPr lang="vi-VN" sz="3600" dirty="0" smtClean="0"/>
-              <a:t>\title{Nội dung tiêu đề}</a:t>
-            </a:r>
-          </a:p>
-          <a:p>
-            <a:pPr marL="0" indent="0">
-              <a:buNone/>
-            </a:pPr>
-            <a:r>
-              <a:rPr lang="vi-VN" sz="3600" dirty="0" smtClean="0"/>
-              <a:t>\author{Tên tác giả \ thanks{Nội dung} }</a:t>
-            </a:r>
-          </a:p>
-          <a:p>
-            <a:pPr marL="0" indent="0">
-              <a:buNone/>
-            </a:pPr>
-            <a:r>
-              <a:rPr lang="vi-VN" sz="3600" dirty="0" smtClean="0"/>
-              <a:t>\date{Nội dung}</a:t>
-            </a:r>
-            <a:endParaRPr lang="vi-VN" sz="3600" dirty="0"/>
+              <a:rPr lang="en-US" sz="3200" dirty="0" smtClean="0"/>
+              <a:t>…</a:t>
+            </a:r>
+            <a:endParaRPr lang="vi-VN" sz="3200" dirty="0"/>
           </a:p>
         </p:txBody>
       </p:sp>
     </p:spTree>
     <p:extLst>
       <p:ext uri="{BB962C8B-B14F-4D97-AF65-F5344CB8AC3E}">
-        <p14:creationId xmlns:p14="http://schemas.microsoft.com/office/powerpoint/2010/main" val="196841316"/>
+        <p14:creationId xmlns:p14="http://schemas.microsoft.com/office/powerpoint/2010/main" val="3101947269"/>
       </p:ext>
     </p:extLst>
   </p:cSld>
@@ -7453,80 +7698,8 @@
           <a:lstStyle/>
           <a:p>
             <a:r>
-              <a:rPr lang="en-US" dirty="0" err="1" smtClean="0"/>
-              <a:t>Khai</a:t>
-            </a:r>
-            <a:r>
-              <a:rPr lang="en-US" dirty="0" smtClean="0"/>
-              <a:t> </a:t>
-            </a:r>
-            <a:r>
-              <a:rPr lang="en-US" dirty="0" err="1" smtClean="0"/>
-              <a:t>báo</a:t>
-            </a:r>
-            <a:r>
-              <a:rPr lang="en-US" dirty="0" smtClean="0"/>
-              <a:t> </a:t>
-            </a:r>
-            <a:r>
-              <a:rPr lang="en-US" dirty="0" err="1" smtClean="0"/>
-              <a:t>bắt</a:t>
-            </a:r>
-            <a:r>
-              <a:rPr lang="en-US" dirty="0" smtClean="0"/>
-              <a:t> </a:t>
-            </a:r>
-            <a:r>
-              <a:rPr lang="en-US" dirty="0" err="1" smtClean="0"/>
-              <a:t>đầu</a:t>
-            </a:r>
-            <a:r>
-              <a:rPr lang="en-US" dirty="0" smtClean="0"/>
-              <a:t> </a:t>
-            </a:r>
-            <a:r>
-              <a:rPr lang="en-US" dirty="0" err="1" smtClean="0"/>
-              <a:t>và</a:t>
-            </a:r>
-            <a:r>
-              <a:rPr lang="en-US" dirty="0" smtClean="0"/>
-              <a:t> </a:t>
-            </a:r>
-            <a:r>
-              <a:rPr lang="en-US" dirty="0" err="1" smtClean="0"/>
-              <a:t>kết</a:t>
-            </a:r>
-            <a:r>
-              <a:rPr lang="en-US" dirty="0" smtClean="0"/>
-              <a:t> </a:t>
-            </a:r>
-            <a:r>
-              <a:rPr lang="en-US" dirty="0" err="1" smtClean="0"/>
-              <a:t>thúc</a:t>
-            </a:r>
-            <a:r>
-              <a:rPr lang="en-US" dirty="0" smtClean="0"/>
-              <a:t> </a:t>
-            </a:r>
-            <a:r>
-              <a:rPr lang="en-US" dirty="0" err="1" smtClean="0"/>
-              <a:t>của</a:t>
-            </a:r>
-            <a:r>
-              <a:rPr lang="en-US" dirty="0" smtClean="0"/>
-              <a:t> </a:t>
-            </a:r>
-            <a:r>
-              <a:rPr lang="en-US" dirty="0" err="1" smtClean="0"/>
-              <a:t>văn</a:t>
-            </a:r>
-            <a:r>
-              <a:rPr lang="en-US" dirty="0" smtClean="0"/>
-              <a:t> </a:t>
-            </a:r>
-            <a:r>
-              <a:rPr lang="en-US" dirty="0" err="1" smtClean="0"/>
-              <a:t>bản</a:t>
+              <a:rPr lang="vi-VN" dirty="0" smtClean="0"/>
+              <a:t>KHAI BÁO TIÊU ĐỀ , TÁC GIẢ , NGÀY THÁNG </a:t>
             </a:r>
             <a:endParaRPr lang="vi-VN" dirty="0"/>
           </a:p>
@@ -7544,7 +7717,7 @@
         </p:nvSpPr>
         <p:spPr>
           <a:xfrm>
-            <a:off x="1514460" y="1748465"/>
+            <a:off x="896275" y="2495439"/>
             <a:ext cx="8596668" cy="3880773"/>
           </a:xfrm>
         </p:spPr>
@@ -7558,220 +7731,26 @@
               <a:buNone/>
             </a:pPr>
             <a:r>
-              <a:rPr lang="en-US" sz="4400" dirty="0" smtClean="0">
-                <a:solidFill>
-                  <a:schemeClr val="tx1"/>
-                </a:solidFill>
-              </a:rPr>
-              <a:t>\begin{document}</a:t>
+              <a:rPr lang="vi-VN" sz="3600" dirty="0" smtClean="0"/>
+              <a:t>\title{Nội dung tiêu đề}</a:t>
             </a:r>
           </a:p>
           <a:p>
             <a:pPr marL="0" indent="0">
               <a:buNone/>
             </a:pPr>
-            <a:endParaRPr lang="en-US" sz="4400" dirty="0" smtClean="0">
-              <a:solidFill>
-                <a:schemeClr val="tx1"/>
-              </a:solidFill>
-            </a:endParaRPr>
+            <a:r>
+              <a:rPr lang="vi-VN" sz="3600" dirty="0" smtClean="0"/>
+              <a:t>\author{Tên tác giả \ thanks{Nội dung} }</a:t>
+            </a:r>
           </a:p>
           <a:p>
             <a:pPr marL="0" indent="0">
               <a:buNone/>
             </a:pPr>
             <a:r>
-              <a:rPr lang="en-US" sz="4400" dirty="0" smtClean="0">
-                <a:solidFill>
-                  <a:schemeClr val="tx1"/>
-                </a:solidFill>
-              </a:rPr>
-              <a:t>\end{document}</a:t>
-            </a:r>
-            <a:endParaRPr lang="en-US" sz="4400" dirty="0">
-              <a:solidFill>
-                <a:schemeClr val="tx1"/>
-              </a:solidFill>
-            </a:endParaRPr>
-          </a:p>
-        </p:txBody>
-      </p:sp>
-      <p:sp>
-        <p:nvSpPr>
-          <p:cNvPr id="4" name="TextBox 3"/>
-          <p:cNvSpPr txBox="1"/>
-          <p:nvPr/>
-        </p:nvSpPr>
-        <p:spPr>
-          <a:xfrm>
-            <a:off x="677334" y="4616948"/>
-            <a:ext cx="7972022" cy="1754326"/>
-          </a:xfrm>
-          <a:prstGeom prst="rect">
-            <a:avLst/>
-          </a:prstGeom>
-          <a:noFill/>
-        </p:spPr>
-        <p:txBody>
-          <a:bodyPr wrap="square" rtlCol="0">
-            <a:spAutoFit/>
-          </a:bodyPr>
-          <a:lstStyle/>
-          <a:p>
-            <a:r>
-              <a:rPr lang="en-US" sz="3600" dirty="0" err="1" smtClean="0"/>
-              <a:t>Các</a:t>
-            </a:r>
-            <a:r>
-              <a:rPr lang="en-US" sz="3600" dirty="0" smtClean="0"/>
-              <a:t> </a:t>
-            </a:r>
-            <a:r>
-              <a:rPr lang="en-US" sz="3600" dirty="0" err="1" smtClean="0"/>
-              <a:t>lệnh</a:t>
-            </a:r>
-            <a:r>
-              <a:rPr lang="en-US" sz="3600" dirty="0" smtClean="0"/>
-              <a:t> </a:t>
-            </a:r>
-            <a:r>
-              <a:rPr lang="en-US" sz="3600" dirty="0" err="1" smtClean="0"/>
-              <a:t>và</a:t>
-            </a:r>
-            <a:r>
-              <a:rPr lang="en-US" sz="3600" dirty="0" smtClean="0"/>
-              <a:t> </a:t>
-            </a:r>
-            <a:r>
-              <a:rPr lang="en-US" sz="3600" dirty="0" err="1" smtClean="0"/>
-              <a:t>nội</a:t>
-            </a:r>
-            <a:r>
-              <a:rPr lang="en-US" sz="3600" dirty="0" smtClean="0"/>
-              <a:t> dung </a:t>
-            </a:r>
-            <a:r>
-              <a:rPr lang="en-US" sz="3600" dirty="0" err="1" smtClean="0"/>
-              <a:t>văn</a:t>
-            </a:r>
-            <a:r>
-              <a:rPr lang="en-US" sz="3600" dirty="0" smtClean="0"/>
-              <a:t> </a:t>
-            </a:r>
-            <a:r>
-              <a:rPr lang="en-US" sz="3600" dirty="0" err="1" smtClean="0"/>
-              <a:t>bản</a:t>
-            </a:r>
-            <a:r>
-              <a:rPr lang="en-US" sz="3600" dirty="0" smtClean="0"/>
-              <a:t> </a:t>
-            </a:r>
-            <a:r>
-              <a:rPr lang="en-US" sz="3600" dirty="0" err="1" smtClean="0"/>
-              <a:t>sẽ</a:t>
-            </a:r>
-            <a:r>
-              <a:rPr lang="en-US" sz="3600" dirty="0" smtClean="0"/>
-              <a:t> </a:t>
-            </a:r>
-            <a:r>
-              <a:rPr lang="en-US" sz="3600" dirty="0" err="1" smtClean="0"/>
-              <a:t>được</a:t>
-            </a:r>
-            <a:r>
-              <a:rPr lang="en-US" sz="3600" dirty="0" smtClean="0"/>
-              <a:t> </a:t>
-            </a:r>
-            <a:r>
-              <a:rPr lang="en-US" sz="3600" dirty="0" err="1" smtClean="0"/>
-              <a:t>tập</a:t>
-            </a:r>
-            <a:r>
-              <a:rPr lang="en-US" sz="3600" dirty="0" smtClean="0"/>
-              <a:t> </a:t>
-            </a:r>
-            <a:r>
-              <a:rPr lang="en-US" sz="3600" dirty="0" err="1" smtClean="0"/>
-              <a:t>trung</a:t>
-            </a:r>
-            <a:r>
-              <a:rPr lang="en-US" sz="3600" dirty="0" smtClean="0"/>
-              <a:t> </a:t>
-            </a:r>
-            <a:r>
-              <a:rPr lang="en-US" sz="3600" dirty="0" err="1" smtClean="0"/>
-              <a:t>viết</a:t>
-            </a:r>
-            <a:r>
-              <a:rPr lang="en-US" sz="3600" dirty="0" smtClean="0"/>
-              <a:t> </a:t>
-            </a:r>
-            <a:r>
-              <a:rPr lang="en-US" sz="3600" dirty="0" err="1" smtClean="0"/>
-              <a:t>trong</a:t>
-            </a:r>
-            <a:r>
-              <a:rPr lang="en-US" sz="3600" dirty="0" smtClean="0"/>
-              <a:t> 2 </a:t>
-            </a:r>
-            <a:r>
-              <a:rPr lang="en-US" sz="3600" dirty="0" err="1" smtClean="0"/>
-              <a:t>câu</a:t>
-            </a:r>
-            <a:r>
-              <a:rPr lang="en-US" sz="3600" dirty="0" smtClean="0"/>
-              <a:t> </a:t>
-            </a:r>
-            <a:r>
-              <a:rPr lang="en-US" sz="3600" dirty="0" err="1" smtClean="0"/>
-              <a:t>lệnh</a:t>
-            </a:r>
-            <a:r>
-              <a:rPr lang="en-US" sz="3600" dirty="0" smtClean="0"/>
-              <a:t> </a:t>
-            </a:r>
-            <a:r>
-              <a:rPr lang="en-US" sz="3600" dirty="0" err="1" smtClean="0"/>
-              <a:t>trên</a:t>
-            </a:r>
-            <a:endParaRPr lang="en-US" sz="3600" dirty="0" smtClean="0"/>
-          </a:p>
-          <a:p>
-            <a:r>
-              <a:rPr lang="en-US" sz="3600" dirty="0" smtClean="0"/>
-              <a:t>Latex </a:t>
-            </a:r>
-            <a:r>
-              <a:rPr lang="en-US" sz="3600" dirty="0" err="1" smtClean="0"/>
-              <a:t>sử</a:t>
-            </a:r>
-            <a:r>
-              <a:rPr lang="en-US" sz="3600" dirty="0" smtClean="0"/>
-              <a:t> </a:t>
-            </a:r>
-            <a:r>
-              <a:rPr lang="en-US" sz="3600" dirty="0" err="1" smtClean="0"/>
-              <a:t>dụng</a:t>
-            </a:r>
-            <a:r>
-              <a:rPr lang="en-US" sz="3600" dirty="0" smtClean="0"/>
-              <a:t> comment </a:t>
-            </a:r>
-            <a:r>
-              <a:rPr lang="en-US" sz="3600" dirty="0" err="1" smtClean="0"/>
-              <a:t>là</a:t>
-            </a:r>
-            <a:r>
-              <a:rPr lang="en-US" sz="3600" dirty="0" smtClean="0"/>
-              <a:t> </a:t>
-            </a:r>
-            <a:r>
-              <a:rPr lang="en-US" sz="3600" dirty="0" err="1" smtClean="0"/>
-              <a:t>dấu</a:t>
-            </a:r>
-            <a:r>
-              <a:rPr lang="en-US" sz="3600" dirty="0" smtClean="0"/>
-              <a:t> %</a:t>
+              <a:rPr lang="vi-VN" sz="3600" dirty="0" smtClean="0"/>
+              <a:t>\date{Nội dung}</a:t>
             </a:r>
             <a:endParaRPr lang="vi-VN" sz="3600" dirty="0"/>
           </a:p>
@@ -7780,7 +7759,7 @@
     </p:spTree>
     <p:extLst>
       <p:ext uri="{BB962C8B-B14F-4D97-AF65-F5344CB8AC3E}">
-        <p14:creationId xmlns:p14="http://schemas.microsoft.com/office/powerpoint/2010/main" val="1893408388"/>
+        <p14:creationId xmlns:p14="http://schemas.microsoft.com/office/powerpoint/2010/main" val="196841316"/>
       </p:ext>
     </p:extLst>
   </p:cSld>
@@ -7980,6 +7959,101 @@
       </p:grpSpPr>
       <p:sp>
         <p:nvSpPr>
+          <p:cNvPr id="2" name="Title 1"/>
+          <p:cNvSpPr>
+            <a:spLocks noGrp="1"/>
+          </p:cNvSpPr>
+          <p:nvPr>
+            <p:ph type="title"/>
+          </p:nvPr>
+        </p:nvSpPr>
+        <p:spPr/>
+        <p:txBody>
+          <a:bodyPr/>
+          <a:lstStyle/>
+          <a:p>
+            <a:r>
+              <a:rPr lang="en-US" dirty="0" err="1" smtClean="0"/>
+              <a:t>Khai</a:t>
+            </a:r>
+            <a:r>
+              <a:rPr lang="en-US" dirty="0" smtClean="0"/>
+              <a:t> </a:t>
+            </a:r>
+            <a:r>
+              <a:rPr lang="en-US" dirty="0" err="1" smtClean="0"/>
+              <a:t>báo</a:t>
+            </a:r>
+            <a:r>
+              <a:rPr lang="en-US" dirty="0" smtClean="0"/>
+              <a:t> </a:t>
+            </a:r>
+            <a:r>
+              <a:rPr lang="en-US" dirty="0" err="1" smtClean="0"/>
+              <a:t>bắt</a:t>
+            </a:r>
+            <a:r>
+              <a:rPr lang="en-US" dirty="0" smtClean="0"/>
+              <a:t> </a:t>
+            </a:r>
+            <a:r>
+              <a:rPr lang="en-US" dirty="0" err="1" smtClean="0"/>
+              <a:t>đầu</a:t>
+            </a:r>
+            <a:r>
+              <a:rPr lang="en-US" dirty="0" smtClean="0"/>
+              <a:t> </a:t>
+            </a:r>
+            <a:r>
+              <a:rPr lang="en-US" dirty="0" err="1" smtClean="0"/>
+              <a:t>và</a:t>
+            </a:r>
+            <a:r>
+              <a:rPr lang="en-US" dirty="0" smtClean="0"/>
+              <a:t> </a:t>
+            </a:r>
+            <a:r>
+              <a:rPr lang="en-US" dirty="0" err="1" smtClean="0"/>
+              <a:t>kết</a:t>
+            </a:r>
+            <a:r>
+              <a:rPr lang="en-US" dirty="0" smtClean="0"/>
+              <a:t> </a:t>
+            </a:r>
+            <a:r>
+              <a:rPr lang="en-US" dirty="0" err="1" smtClean="0"/>
+              <a:t>thúc</a:t>
+            </a:r>
+            <a:r>
+              <a:rPr lang="en-US" dirty="0" smtClean="0"/>
+              <a:t> </a:t>
+            </a:r>
+            <a:r>
+              <a:rPr lang="en-US" dirty="0" err="1" smtClean="0"/>
+              <a:t>của</a:t>
+            </a:r>
+            <a:r>
+              <a:rPr lang="en-US" dirty="0" smtClean="0"/>
+              <a:t> </a:t>
+            </a:r>
+            <a:r>
+              <a:rPr lang="en-US" dirty="0" err="1" smtClean="0"/>
+              <a:t>văn</a:t>
+            </a:r>
+            <a:r>
+              <a:rPr lang="en-US" dirty="0" smtClean="0"/>
+              <a:t> </a:t>
+            </a:r>
+            <a:r>
+              <a:rPr lang="en-US" dirty="0" err="1" smtClean="0"/>
+              <a:t>bản</a:t>
+            </a:r>
+            <a:endParaRPr lang="vi-VN" dirty="0"/>
+          </a:p>
+        </p:txBody>
+      </p:sp>
+      <p:sp>
+        <p:nvSpPr>
           <p:cNvPr id="3" name="Content Placeholder 2"/>
           <p:cNvSpPr>
             <a:spLocks noGrp="1"/>
@@ -7990,8 +8064,8 @@
         </p:nvSpPr>
         <p:spPr>
           <a:xfrm>
-            <a:off x="793242" y="1593918"/>
-            <a:ext cx="9265157" cy="3880773"/>
+            <a:off x="1514460" y="1748465"/>
+            <a:ext cx="8596668" cy="3880773"/>
           </a:xfrm>
         </p:spPr>
         <p:txBody>
@@ -8004,47 +8078,220 @@
               <a:buNone/>
             </a:pPr>
             <a:r>
-              <a:rPr lang="vi-VN" sz="3600" dirty="0" smtClean="0"/>
-              <a:t>Để xuất tiêu đề , tên tác giả và ngày tháng , cám ơn đã được biết ở bước trước cần chèn đoạn lệnh sau:</a:t>
+              <a:rPr lang="en-US" sz="4400" dirty="0" smtClean="0">
+                <a:solidFill>
+                  <a:schemeClr val="tx1"/>
+                </a:solidFill>
+              </a:rPr>
+              <a:t>\begin{document}</a:t>
             </a:r>
           </a:p>
           <a:p>
             <a:pPr marL="0" indent="0">
               <a:buNone/>
             </a:pPr>
-            <a:r>
-              <a:rPr lang="vi-VN" sz="3600" dirty="0"/>
-              <a:t>\begin{titlepage</a:t>
-            </a:r>
-            <a:r>
-              <a:rPr lang="vi-VN" sz="3600" dirty="0" smtClean="0"/>
-              <a:t>}  %bat dau tieu de</a:t>
-            </a:r>
+            <a:endParaRPr lang="en-US" sz="4400" dirty="0" smtClean="0">
+              <a:solidFill>
+                <a:schemeClr val="tx1"/>
+              </a:solidFill>
+            </a:endParaRPr>
           </a:p>
           <a:p>
             <a:pPr marL="0" indent="0">
               <a:buNone/>
             </a:pPr>
             <a:r>
-              <a:rPr lang="vi-VN" sz="3600" dirty="0" smtClean="0"/>
-              <a:t>\maketitle %xuat ra tieu de</a:t>
-            </a:r>
-          </a:p>
-          <a:p>
-            <a:pPr marL="0" indent="0">
-              <a:buNone/>
-            </a:pPr>
-            <a:r>
-              <a:rPr lang="vi-VN" sz="3600" dirty="0" smtClean="0"/>
-              <a:t>\</a:t>
-            </a:r>
-            <a:r>
-              <a:rPr lang="vi-VN" sz="3600" dirty="0"/>
-              <a:t>end{titlepage</a:t>
-            </a:r>
-            <a:r>
-              <a:rPr lang="vi-VN" sz="3600" dirty="0" smtClean="0"/>
-              <a:t>}  %ket thuc tieu do</a:t>
+              <a:rPr lang="en-US" sz="4400" dirty="0" smtClean="0">
+                <a:solidFill>
+                  <a:schemeClr val="tx1"/>
+                </a:solidFill>
+              </a:rPr>
+              <a:t>\end{document}</a:t>
+            </a:r>
+            <a:endParaRPr lang="en-US" sz="4400" dirty="0">
+              <a:solidFill>
+                <a:schemeClr val="tx1"/>
+              </a:solidFill>
+            </a:endParaRPr>
+          </a:p>
+        </p:txBody>
+      </p:sp>
+      <p:sp>
+        <p:nvSpPr>
+          <p:cNvPr id="4" name="TextBox 3"/>
+          <p:cNvSpPr txBox="1"/>
+          <p:nvPr/>
+        </p:nvSpPr>
+        <p:spPr>
+          <a:xfrm>
+            <a:off x="677334" y="4616948"/>
+            <a:ext cx="7972022" cy="1754326"/>
+          </a:xfrm>
+          <a:prstGeom prst="rect">
+            <a:avLst/>
+          </a:prstGeom>
+          <a:noFill/>
+        </p:spPr>
+        <p:txBody>
+          <a:bodyPr wrap="square" rtlCol="0">
+            <a:spAutoFit/>
+          </a:bodyPr>
+          <a:lstStyle/>
+          <a:p>
+            <a:r>
+              <a:rPr lang="en-US" sz="3600" dirty="0" err="1" smtClean="0"/>
+              <a:t>Các</a:t>
+            </a:r>
+            <a:r>
+              <a:rPr lang="en-US" sz="3600" dirty="0" smtClean="0"/>
+              <a:t> </a:t>
+            </a:r>
+            <a:r>
+              <a:rPr lang="en-US" sz="3600" dirty="0" err="1" smtClean="0"/>
+              <a:t>lệnh</a:t>
+            </a:r>
+            <a:r>
+              <a:rPr lang="en-US" sz="3600" dirty="0" smtClean="0"/>
+              <a:t> </a:t>
+            </a:r>
+            <a:r>
+              <a:rPr lang="en-US" sz="3600" dirty="0" err="1" smtClean="0"/>
+              <a:t>và</a:t>
+            </a:r>
+            <a:r>
+              <a:rPr lang="en-US" sz="3600" dirty="0" smtClean="0"/>
+              <a:t> </a:t>
+            </a:r>
+            <a:r>
+              <a:rPr lang="en-US" sz="3600" dirty="0" err="1" smtClean="0"/>
+              <a:t>nội</a:t>
+            </a:r>
+            <a:r>
+              <a:rPr lang="en-US" sz="3600" dirty="0" smtClean="0"/>
+              <a:t> dung </a:t>
+            </a:r>
+            <a:r>
+              <a:rPr lang="en-US" sz="3600" dirty="0" err="1" smtClean="0"/>
+              <a:t>văn</a:t>
+            </a:r>
+            <a:r>
+              <a:rPr lang="en-US" sz="3600" dirty="0" smtClean="0"/>
+              <a:t> </a:t>
+            </a:r>
+            <a:r>
+              <a:rPr lang="en-US" sz="3600" dirty="0" err="1" smtClean="0"/>
+              <a:t>bản</a:t>
+            </a:r>
+            <a:r>
+              <a:rPr lang="en-US" sz="3600" dirty="0" smtClean="0"/>
+              <a:t> </a:t>
+            </a:r>
+            <a:r>
+              <a:rPr lang="en-US" sz="3600" dirty="0" err="1" smtClean="0"/>
+              <a:t>sẽ</a:t>
+            </a:r>
+            <a:r>
+              <a:rPr lang="en-US" sz="3600" dirty="0" smtClean="0"/>
+              <a:t> </a:t>
+            </a:r>
+            <a:r>
+              <a:rPr lang="en-US" sz="3600" dirty="0" err="1" smtClean="0"/>
+              <a:t>được</a:t>
+            </a:r>
+            <a:r>
+              <a:rPr lang="en-US" sz="3600" dirty="0" smtClean="0"/>
+              <a:t> </a:t>
+            </a:r>
+            <a:r>
+              <a:rPr lang="en-US" sz="3600" dirty="0" err="1" smtClean="0"/>
+              <a:t>tập</a:t>
+            </a:r>
+            <a:r>
+              <a:rPr lang="en-US" sz="3600" dirty="0" smtClean="0"/>
+              <a:t> </a:t>
+            </a:r>
+            <a:r>
+              <a:rPr lang="en-US" sz="3600" dirty="0" err="1" smtClean="0"/>
+              <a:t>trung</a:t>
+            </a:r>
+            <a:r>
+              <a:rPr lang="en-US" sz="3600" dirty="0" smtClean="0"/>
+              <a:t> </a:t>
+            </a:r>
+            <a:r>
+              <a:rPr lang="en-US" sz="3600" dirty="0" err="1" smtClean="0"/>
+              <a:t>viết</a:t>
+            </a:r>
+            <a:r>
+              <a:rPr lang="en-US" sz="3600" dirty="0" smtClean="0"/>
+              <a:t> </a:t>
+            </a:r>
+            <a:r>
+              <a:rPr lang="en-US" sz="3600" dirty="0" err="1" smtClean="0"/>
+              <a:t>trong</a:t>
+            </a:r>
+            <a:r>
+              <a:rPr lang="en-US" sz="3600" dirty="0" smtClean="0"/>
+              <a:t> 2 </a:t>
+            </a:r>
+            <a:r>
+              <a:rPr lang="en-US" sz="3600" dirty="0" err="1" smtClean="0"/>
+              <a:t>câu</a:t>
+            </a:r>
+            <a:r>
+              <a:rPr lang="en-US" sz="3600" dirty="0" smtClean="0"/>
+              <a:t> </a:t>
+            </a:r>
+            <a:r>
+              <a:rPr lang="en-US" sz="3600" dirty="0" err="1" smtClean="0"/>
+              <a:t>lệnh</a:t>
+            </a:r>
+            <a:r>
+              <a:rPr lang="en-US" sz="3600" dirty="0" smtClean="0"/>
+              <a:t> </a:t>
+            </a:r>
+            <a:r>
+              <a:rPr lang="en-US" sz="3600" dirty="0" err="1" smtClean="0"/>
+              <a:t>trên</a:t>
+            </a:r>
+            <a:endParaRPr lang="en-US" sz="3600" dirty="0" smtClean="0"/>
+          </a:p>
+          <a:p>
+            <a:r>
+              <a:rPr lang="en-US" sz="3600" dirty="0" smtClean="0"/>
+              <a:t>Latex </a:t>
+            </a:r>
+            <a:r>
+              <a:rPr lang="en-US" sz="3600" dirty="0" err="1" smtClean="0"/>
+              <a:t>sử</a:t>
+            </a:r>
+            <a:r>
+              <a:rPr lang="en-US" sz="3600" dirty="0" smtClean="0"/>
+              <a:t> </a:t>
+            </a:r>
+            <a:r>
+              <a:rPr lang="en-US" sz="3600" dirty="0" err="1" smtClean="0"/>
+              <a:t>dụng</a:t>
+            </a:r>
+            <a:r>
+              <a:rPr lang="en-US" sz="3600" dirty="0" smtClean="0"/>
+              <a:t> comment </a:t>
+            </a:r>
+            <a:r>
+              <a:rPr lang="en-US" sz="3600" dirty="0" err="1" smtClean="0"/>
+              <a:t>là</a:t>
+            </a:r>
+            <a:r>
+              <a:rPr lang="en-US" sz="3600" dirty="0" smtClean="0"/>
+              <a:t> </a:t>
+            </a:r>
+            <a:r>
+              <a:rPr lang="en-US" sz="3600" dirty="0" err="1" smtClean="0"/>
+              <a:t>dấu</a:t>
+            </a:r>
+            <a:r>
+              <a:rPr lang="en-US" sz="3600" dirty="0" smtClean="0"/>
+              <a:t> %</a:t>
             </a:r>
             <a:endParaRPr lang="vi-VN" sz="3600" dirty="0"/>
           </a:p>
@@ -8053,7 +8300,7 @@
     </p:spTree>
     <p:extLst>
       <p:ext uri="{BB962C8B-B14F-4D97-AF65-F5344CB8AC3E}">
-        <p14:creationId xmlns:p14="http://schemas.microsoft.com/office/powerpoint/2010/main" val="526868597"/>
+        <p14:creationId xmlns:p14="http://schemas.microsoft.com/office/powerpoint/2010/main" val="1893408388"/>
       </p:ext>
     </p:extLst>
   </p:cSld>
@@ -8082,6 +8329,108 @@
       </p:grpSpPr>
       <p:sp>
         <p:nvSpPr>
+          <p:cNvPr id="3" name="Content Placeholder 2"/>
+          <p:cNvSpPr>
+            <a:spLocks noGrp="1"/>
+          </p:cNvSpPr>
+          <p:nvPr>
+            <p:ph idx="1"/>
+          </p:nvPr>
+        </p:nvSpPr>
+        <p:spPr>
+          <a:xfrm>
+            <a:off x="793242" y="1593918"/>
+            <a:ext cx="9265157" cy="3880773"/>
+          </a:xfrm>
+        </p:spPr>
+        <p:txBody>
+          <a:bodyPr>
+            <a:normAutofit/>
+          </a:bodyPr>
+          <a:lstStyle/>
+          <a:p>
+            <a:pPr marL="0" indent="0">
+              <a:buNone/>
+            </a:pPr>
+            <a:r>
+              <a:rPr lang="vi-VN" sz="3600" dirty="0" smtClean="0"/>
+              <a:t>Để xuất tiêu đề , tên tác giả và ngày tháng , cám ơn đã được biết ở bước trước cần chèn đoạn lệnh sau:</a:t>
+            </a:r>
+          </a:p>
+          <a:p>
+            <a:pPr marL="0" indent="0">
+              <a:buNone/>
+            </a:pPr>
+            <a:r>
+              <a:rPr lang="vi-VN" sz="3600" dirty="0"/>
+              <a:t>\begin{titlepage</a:t>
+            </a:r>
+            <a:r>
+              <a:rPr lang="vi-VN" sz="3600" dirty="0" smtClean="0"/>
+              <a:t>}  %bat dau tieu de</a:t>
+            </a:r>
+          </a:p>
+          <a:p>
+            <a:pPr marL="0" indent="0">
+              <a:buNone/>
+            </a:pPr>
+            <a:r>
+              <a:rPr lang="vi-VN" sz="3600" dirty="0" smtClean="0"/>
+              <a:t>\maketitle %xuat ra tieu de</a:t>
+            </a:r>
+          </a:p>
+          <a:p>
+            <a:pPr marL="0" indent="0">
+              <a:buNone/>
+            </a:pPr>
+            <a:r>
+              <a:rPr lang="vi-VN" sz="3600" dirty="0" smtClean="0"/>
+              <a:t>\</a:t>
+            </a:r>
+            <a:r>
+              <a:rPr lang="vi-VN" sz="3600" dirty="0"/>
+              <a:t>end{titlepage</a:t>
+            </a:r>
+            <a:r>
+              <a:rPr lang="vi-VN" sz="3600" dirty="0" smtClean="0"/>
+              <a:t>}  %ket thuc tieu do</a:t>
+            </a:r>
+            <a:endParaRPr lang="vi-VN" sz="3600" dirty="0"/>
+          </a:p>
+        </p:txBody>
+      </p:sp>
+    </p:spTree>
+    <p:extLst>
+      <p:ext uri="{BB962C8B-B14F-4D97-AF65-F5344CB8AC3E}">
+        <p14:creationId xmlns:p14="http://schemas.microsoft.com/office/powerpoint/2010/main" val="526868597"/>
+      </p:ext>
+    </p:extLst>
+  </p:cSld>
+  <p:clrMapOvr>
+    <a:masterClrMapping/>
+  </p:clrMapOvr>
+</p:sld>
+</file>
+
+<file path=ppt/slides/slide22.xml><?xml version="1.0" encoding="utf-8"?>
+<p:sld xmlns:a="http://schemas.openxmlformats.org/drawingml/2006/main" xmlns:r="http://schemas.openxmlformats.org/officeDocument/2006/relationships" xmlns:p="http://schemas.openxmlformats.org/presentationml/2006/main">
+  <p:cSld>
+    <p:spTree>
+      <p:nvGrpSpPr>
+        <p:cNvPr id="1" name=""/>
+        <p:cNvGrpSpPr/>
+        <p:nvPr/>
+      </p:nvGrpSpPr>
+      <p:grpSpPr>
+        <a:xfrm>
+          <a:off x="0" y="0"/>
+          <a:ext cx="0" cy="0"/>
+          <a:chOff x="0" y="0"/>
+          <a:chExt cx="0" cy="0"/>
+        </a:xfrm>
+      </p:grpSpPr>
+      <p:sp>
+        <p:nvSpPr>
           <p:cNvPr id="2" name="Title 1"/>
           <p:cNvSpPr>
             <a:spLocks noGrp="1"/>
@@ -8257,7 +8606,7 @@
 </p:sld>
 </file>
 
-<file path=ppt/slides/slide22.xml><?xml version="1.0" encoding="utf-8"?>
+<file path=ppt/slides/slide23.xml><?xml version="1.0" encoding="utf-8"?>
 <p:sld xmlns:a="http://schemas.openxmlformats.org/drawingml/2006/main" xmlns:r="http://schemas.openxmlformats.org/officeDocument/2006/relationships" xmlns:p="http://schemas.openxmlformats.org/presentationml/2006/main">
   <p:cSld>
     <p:spTree>
@@ -8341,77 +8690,6 @@
 </p:sld>
 </file>
 
-<file path=ppt/slides/slide23.xml><?xml version="1.0" encoding="utf-8"?>
-<p:sld xmlns:a="http://schemas.openxmlformats.org/drawingml/2006/main" xmlns:r="http://schemas.openxmlformats.org/officeDocument/2006/relationships" xmlns:p="http://schemas.openxmlformats.org/presentationml/2006/main">
-  <p:cSld>
-    <p:spTree>
-      <p:nvGrpSpPr>
-        <p:cNvPr id="1" name=""/>
-        <p:cNvGrpSpPr/>
-        <p:nvPr/>
-      </p:nvGrpSpPr>
-      <p:grpSpPr>
-        <a:xfrm>
-          <a:off x="0" y="0"/>
-          <a:ext cx="0" cy="0"/>
-          <a:chOff x="0" y="0"/>
-          <a:chExt cx="0" cy="0"/>
-        </a:xfrm>
-      </p:grpSpPr>
-      <p:sp>
-        <p:nvSpPr>
-          <p:cNvPr id="3" name="Content Placeholder 2"/>
-          <p:cNvSpPr>
-            <a:spLocks noGrp="1"/>
-          </p:cNvSpPr>
-          <p:nvPr>
-            <p:ph idx="1"/>
-          </p:nvPr>
-        </p:nvSpPr>
-        <p:spPr>
-          <a:xfrm>
-            <a:off x="156346" y="2624229"/>
-            <a:ext cx="9638643" cy="3880773"/>
-          </a:xfrm>
-        </p:spPr>
-        <p:txBody>
-          <a:bodyPr>
-            <a:normAutofit/>
-          </a:bodyPr>
-          <a:lstStyle/>
-          <a:p>
-            <a:pPr marL="0" indent="0" algn="ctr">
-              <a:buNone/>
-            </a:pPr>
-            <a:r>
-              <a:rPr lang="vi-VN" sz="5400" b="1" dirty="0" smtClean="0">
-                <a:solidFill>
-                  <a:srgbClr val="92D050"/>
-                </a:solidFill>
-              </a:rPr>
-              <a:t>CÁM ƠN CÁC BẠN ĐÃ THEO DÕI BUỔI HỌC</a:t>
-            </a:r>
-            <a:endParaRPr lang="vi-VN" sz="5400" b="1" dirty="0">
-              <a:solidFill>
-                <a:srgbClr val="92D050"/>
-              </a:solidFill>
-            </a:endParaRPr>
-          </a:p>
-        </p:txBody>
-      </p:sp>
-    </p:spTree>
-    <p:extLst>
-      <p:ext uri="{BB962C8B-B14F-4D97-AF65-F5344CB8AC3E}">
-        <p14:creationId xmlns:p14="http://schemas.microsoft.com/office/powerpoint/2010/main" val="1985995013"/>
-      </p:ext>
-    </p:extLst>
-  </p:cSld>
-  <p:clrMapOvr>
-    <a:masterClrMapping/>
-  </p:clrMapOvr>
-</p:sld>
-</file>
-
 <file path=ppt/slides/slide24.xml><?xml version="1.0" encoding="utf-8"?>
 <p:sld xmlns:a="http://schemas.openxmlformats.org/drawingml/2006/main" xmlns:r="http://schemas.openxmlformats.org/officeDocument/2006/relationships" xmlns:p="http://schemas.openxmlformats.org/presentationml/2006/main">
   <p:cSld>
@@ -8431,6 +8709,77 @@
       </p:grpSpPr>
       <p:sp>
         <p:nvSpPr>
+          <p:cNvPr id="3" name="Content Placeholder 2"/>
+          <p:cNvSpPr>
+            <a:spLocks noGrp="1"/>
+          </p:cNvSpPr>
+          <p:nvPr>
+            <p:ph idx="1"/>
+          </p:nvPr>
+        </p:nvSpPr>
+        <p:spPr>
+          <a:xfrm>
+            <a:off x="156346" y="2624229"/>
+            <a:ext cx="9638643" cy="3880773"/>
+          </a:xfrm>
+        </p:spPr>
+        <p:txBody>
+          <a:bodyPr>
+            <a:normAutofit/>
+          </a:bodyPr>
+          <a:lstStyle/>
+          <a:p>
+            <a:pPr marL="0" indent="0" algn="ctr">
+              <a:buNone/>
+            </a:pPr>
+            <a:r>
+              <a:rPr lang="vi-VN" sz="5400" b="1" dirty="0" smtClean="0">
+                <a:solidFill>
+                  <a:srgbClr val="92D050"/>
+                </a:solidFill>
+              </a:rPr>
+              <a:t>CÁM ƠN CÁC BẠN ĐÃ THEO DÕI BUỔI HỌC</a:t>
+            </a:r>
+            <a:endParaRPr lang="vi-VN" sz="5400" b="1" dirty="0">
+              <a:solidFill>
+                <a:srgbClr val="92D050"/>
+              </a:solidFill>
+            </a:endParaRPr>
+          </a:p>
+        </p:txBody>
+      </p:sp>
+    </p:spTree>
+    <p:extLst>
+      <p:ext uri="{BB962C8B-B14F-4D97-AF65-F5344CB8AC3E}">
+        <p14:creationId xmlns:p14="http://schemas.microsoft.com/office/powerpoint/2010/main" val="1985995013"/>
+      </p:ext>
+    </p:extLst>
+  </p:cSld>
+  <p:clrMapOvr>
+    <a:masterClrMapping/>
+  </p:clrMapOvr>
+</p:sld>
+</file>
+
+<file path=ppt/slides/slide25.xml><?xml version="1.0" encoding="utf-8"?>
+<p:sld xmlns:a="http://schemas.openxmlformats.org/drawingml/2006/main" xmlns:r="http://schemas.openxmlformats.org/officeDocument/2006/relationships" xmlns:p="http://schemas.openxmlformats.org/presentationml/2006/main">
+  <p:cSld>
+    <p:spTree>
+      <p:nvGrpSpPr>
+        <p:cNvPr id="1" name=""/>
+        <p:cNvGrpSpPr/>
+        <p:nvPr/>
+      </p:nvGrpSpPr>
+      <p:grpSpPr>
+        <a:xfrm>
+          <a:off x="0" y="0"/>
+          <a:ext cx="0" cy="0"/>
+          <a:chOff x="0" y="0"/>
+          <a:chExt cx="0" cy="0"/>
+        </a:xfrm>
+      </p:grpSpPr>
+      <p:sp>
+        <p:nvSpPr>
           <p:cNvPr id="2" name="Title 1"/>
           <p:cNvSpPr>
             <a:spLocks noGrp="1"/>
@@ -8527,9 +8876,39 @@
                 <a:solidFill>
                   <a:srgbClr val="92D050"/>
                 </a:solidFill>
+                <a:hlinkClick r:id="rId3"/>
               </a:rPr>
-              <a:t>https://phamanhvinh.wordpress.com/2017/04/10/latex-bai-1-soan-thao-trong-latex/</a:t>
-            </a:r>
+              <a:t>https://phamanhvinh.wordpress.com/2017/04/10/latex-bai-1-soan-thao-trong-latex</a:t>
+            </a:r>
+            <a:r>
+              <a:rPr lang="vi-VN" sz="2800" i="1" u="sng" dirty="0" smtClean="0">
+                <a:solidFill>
+                  <a:srgbClr val="92D050"/>
+                </a:solidFill>
+                <a:hlinkClick r:id="rId3"/>
+              </a:rPr>
+              <a:t>/</a:t>
+            </a:r>
+            <a:endParaRPr lang="vi-VN" sz="2800" i="1" u="sng" dirty="0" smtClean="0">
+              <a:solidFill>
+                <a:srgbClr val="92D050"/>
+              </a:solidFill>
+            </a:endParaRPr>
+          </a:p>
+          <a:p>
+            <a:r>
+              <a:rPr lang="vi-VN" sz="2800" i="1" u="sng" dirty="0">
+                <a:solidFill>
+                  <a:srgbClr val="92D050"/>
+                </a:solidFill>
+              </a:rPr>
+              <a:t>https://blogchiasekienthuc.com/thu-thuat-hay/soan-thao-van-ban-voi-latex.html</a:t>
+            </a:r>
+            <a:endParaRPr lang="vi-VN" sz="2800" i="1" u="sng" dirty="0">
+              <a:solidFill>
+                <a:srgbClr val="92D050"/>
+              </a:solidFill>
+            </a:endParaRPr>
           </a:p>
         </p:txBody>
       </p:sp>

--- a/Bài 1/LATEX CƠ BẢN - Bài 1.pptx
+++ b/Bài 1/LATEX CƠ BẢN - Bài 1.pptx
@@ -28,8 +28,15 @@
     <p:sldId id="278" r:id="rId22"/>
     <p:sldId id="273" r:id="rId23"/>
     <p:sldId id="279" r:id="rId24"/>
-    <p:sldId id="281" r:id="rId25"/>
-    <p:sldId id="280" r:id="rId26"/>
+    <p:sldId id="287" r:id="rId25"/>
+    <p:sldId id="283" r:id="rId26"/>
+    <p:sldId id="284" r:id="rId27"/>
+    <p:sldId id="285" r:id="rId28"/>
+    <p:sldId id="286" r:id="rId29"/>
+    <p:sldId id="288" r:id="rId30"/>
+    <p:sldId id="289" r:id="rId31"/>
+    <p:sldId id="281" r:id="rId32"/>
+    <p:sldId id="280" r:id="rId33"/>
   </p:sldIdLst>
   <p:sldSz cx="12192000" cy="6858000"/>
   <p:notesSz cx="6858000" cy="9144000"/>
@@ -858,7 +865,7 @@
           <a:p>
             <a:fld id="{C0F77542-EEBF-4180-89BA-8813A26235EF}" type="datetimeFigureOut">
               <a:rPr lang="vi-VN" smtClean="0"/>
-              <a:t>21/05/2021</a:t>
+              <a:t>22/05/2021</a:t>
             </a:fld>
             <a:endParaRPr lang="vi-VN"/>
           </a:p>
@@ -1109,7 +1116,7 @@
           <a:p>
             <a:fld id="{C0F77542-EEBF-4180-89BA-8813A26235EF}" type="datetimeFigureOut">
               <a:rPr lang="vi-VN" smtClean="0"/>
-              <a:t>21/05/2021</a:t>
+              <a:t>22/05/2021</a:t>
             </a:fld>
             <a:endParaRPr lang="vi-VN"/>
           </a:p>
@@ -1423,7 +1430,7 @@
           <a:p>
             <a:fld id="{C0F77542-EEBF-4180-89BA-8813A26235EF}" type="datetimeFigureOut">
               <a:rPr lang="vi-VN" smtClean="0"/>
-              <a:t>21/05/2021</a:t>
+              <a:t>22/05/2021</a:t>
             </a:fld>
             <a:endParaRPr lang="vi-VN"/>
           </a:p>
@@ -1764,7 +1771,7 @@
           <a:p>
             <a:fld id="{C0F77542-EEBF-4180-89BA-8813A26235EF}" type="datetimeFigureOut">
               <a:rPr lang="vi-VN" smtClean="0"/>
-              <a:t>21/05/2021</a:t>
+              <a:t>22/05/2021</a:t>
             </a:fld>
             <a:endParaRPr lang="vi-VN"/>
           </a:p>
@@ -2078,7 +2085,7 @@
           <a:p>
             <a:fld id="{C0F77542-EEBF-4180-89BA-8813A26235EF}" type="datetimeFigureOut">
               <a:rPr lang="vi-VN" smtClean="0"/>
-              <a:t>21/05/2021</a:t>
+              <a:t>22/05/2021</a:t>
             </a:fld>
             <a:endParaRPr lang="vi-VN"/>
           </a:p>
@@ -2471,7 +2478,7 @@
           <a:p>
             <a:fld id="{C0F77542-EEBF-4180-89BA-8813A26235EF}" type="datetimeFigureOut">
               <a:rPr lang="vi-VN" smtClean="0"/>
-              <a:t>21/05/2021</a:t>
+              <a:t>22/05/2021</a:t>
             </a:fld>
             <a:endParaRPr lang="vi-VN"/>
           </a:p>
@@ -2641,7 +2648,7 @@
           <a:p>
             <a:fld id="{C0F77542-EEBF-4180-89BA-8813A26235EF}" type="datetimeFigureOut">
               <a:rPr lang="vi-VN" smtClean="0"/>
-              <a:t>21/05/2021</a:t>
+              <a:t>22/05/2021</a:t>
             </a:fld>
             <a:endParaRPr lang="vi-VN"/>
           </a:p>
@@ -2821,7 +2828,7 @@
           <a:p>
             <a:fld id="{C0F77542-EEBF-4180-89BA-8813A26235EF}" type="datetimeFigureOut">
               <a:rPr lang="vi-VN" smtClean="0"/>
-              <a:t>21/05/2021</a:t>
+              <a:t>22/05/2021</a:t>
             </a:fld>
             <a:endParaRPr lang="vi-VN"/>
           </a:p>
@@ -2997,7 +3004,7 @@
           <a:p>
             <a:fld id="{C0F77542-EEBF-4180-89BA-8813A26235EF}" type="datetimeFigureOut">
               <a:rPr lang="vi-VN" smtClean="0"/>
-              <a:t>21/05/2021</a:t>
+              <a:t>22/05/2021</a:t>
             </a:fld>
             <a:endParaRPr lang="vi-VN"/>
           </a:p>
@@ -3244,7 +3251,7 @@
           <a:p>
             <a:fld id="{C0F77542-EEBF-4180-89BA-8813A26235EF}" type="datetimeFigureOut">
               <a:rPr lang="vi-VN" smtClean="0"/>
-              <a:t>21/05/2021</a:t>
+              <a:t>22/05/2021</a:t>
             </a:fld>
             <a:endParaRPr lang="vi-VN"/>
           </a:p>
@@ -3476,7 +3483,7 @@
           <a:p>
             <a:fld id="{C0F77542-EEBF-4180-89BA-8813A26235EF}" type="datetimeFigureOut">
               <a:rPr lang="vi-VN" smtClean="0"/>
-              <a:t>21/05/2021</a:t>
+              <a:t>22/05/2021</a:t>
             </a:fld>
             <a:endParaRPr lang="vi-VN"/>
           </a:p>
@@ -3850,7 +3857,7 @@
           <a:p>
             <a:fld id="{C0F77542-EEBF-4180-89BA-8813A26235EF}" type="datetimeFigureOut">
               <a:rPr lang="vi-VN" smtClean="0"/>
-              <a:t>21/05/2021</a:t>
+              <a:t>22/05/2021</a:t>
             </a:fld>
             <a:endParaRPr lang="vi-VN"/>
           </a:p>
@@ -3973,7 +3980,7 @@
           <a:p>
             <a:fld id="{C0F77542-EEBF-4180-89BA-8813A26235EF}" type="datetimeFigureOut">
               <a:rPr lang="vi-VN" smtClean="0"/>
-              <a:t>21/05/2021</a:t>
+              <a:t>22/05/2021</a:t>
             </a:fld>
             <a:endParaRPr lang="vi-VN"/>
           </a:p>
@@ -4068,7 +4075,7 @@
           <a:p>
             <a:fld id="{C0F77542-EEBF-4180-89BA-8813A26235EF}" type="datetimeFigureOut">
               <a:rPr lang="vi-VN" smtClean="0"/>
-              <a:t>21/05/2021</a:t>
+              <a:t>22/05/2021</a:t>
             </a:fld>
             <a:endParaRPr lang="vi-VN"/>
           </a:p>
@@ -4323,7 +4330,7 @@
           <a:p>
             <a:fld id="{C0F77542-EEBF-4180-89BA-8813A26235EF}" type="datetimeFigureOut">
               <a:rPr lang="vi-VN" smtClean="0"/>
-              <a:t>21/05/2021</a:t>
+              <a:t>22/05/2021</a:t>
             </a:fld>
             <a:endParaRPr lang="vi-VN"/>
           </a:p>
@@ -4586,7 +4593,7 @@
           <a:p>
             <a:fld id="{C0F77542-EEBF-4180-89BA-8813A26235EF}" type="datetimeFigureOut">
               <a:rPr lang="vi-VN" smtClean="0"/>
-              <a:t>21/05/2021</a:t>
+              <a:t>22/05/2021</a:t>
             </a:fld>
             <a:endParaRPr lang="vi-VN"/>
           </a:p>
@@ -5329,7 +5336,7 @@
           <a:p>
             <a:fld id="{C0F77542-EEBF-4180-89BA-8813A26235EF}" type="datetimeFigureOut">
               <a:rPr lang="vi-VN" smtClean="0"/>
-              <a:t>21/05/2021</a:t>
+              <a:t>22/05/2021</a:t>
             </a:fld>
             <a:endParaRPr lang="vi-VN"/>
           </a:p>
@@ -7004,11 +7011,7 @@
           <a:p>
             <a:r>
               <a:rPr lang="vi-VN" sz="2400" dirty="0" smtClean="0"/>
-              <a:t>Các lệnh LaTeX được khai báo sau dấu \ (splash</a:t>
-            </a:r>
-            <a:r>
-              <a:rPr lang="vi-VN" sz="2400" dirty="0" smtClean="0"/>
-              <a:t>)</a:t>
+              <a:t>Các lệnh LaTeX được khai báo sau dấu \ (splash)</a:t>
             </a:r>
           </a:p>
           <a:p>
@@ -7044,7 +7047,6 @@
               <a:rPr lang="vi-VN" sz="2400" dirty="0" smtClean="0"/>
               <a:t>sách</a:t>
             </a:r>
-            <a:endParaRPr lang="vi-VN" sz="2400" dirty="0" smtClean="0"/>
           </a:p>
           <a:p>
             <a:pPr marL="0" indent="0">
@@ -8515,11 +8517,11 @@
             </a:pPr>
             <a:r>
               <a:rPr lang="vi-VN" dirty="0" smtClean="0"/>
-              <a:t>\author{Hubert Farnsworth \thanks{</a:t>
-            </a:r>
-            <a:r>
-              <a:rPr lang="en-US" dirty="0" smtClean="0"/>
-              <a:t>funded by </a:t>
+              <a:t>\author{Hubert Farnsworth \</a:t>
+            </a:r>
+            <a:r>
+              <a:rPr lang="vi-VN" dirty="0" smtClean="0"/>
+              <a:t>thanks{</a:t>
             </a:r>
             <a:r>
               <a:rPr lang="en-US" dirty="0" err="1" smtClean="0"/>
@@ -8709,18 +8711,46 @@
       </p:grpSpPr>
       <p:sp>
         <p:nvSpPr>
-          <p:cNvPr id="3" name="Content Placeholder 2"/>
-          <p:cNvSpPr>
-            <a:spLocks noGrp="1"/>
-          </p:cNvSpPr>
-          <p:nvPr>
-            <p:ph idx="1"/>
+          <p:cNvPr id="2" name="Title 1"/>
+          <p:cNvSpPr>
+            <a:spLocks noGrp="1"/>
+          </p:cNvSpPr>
+          <p:nvPr>
+            <p:ph type="title"/>
           </p:nvPr>
         </p:nvSpPr>
         <p:spPr>
           <a:xfrm>
-            <a:off x="156346" y="2624229"/>
-            <a:ext cx="9638643" cy="3880773"/>
+            <a:off x="677334" y="1150512"/>
+            <a:ext cx="8596668" cy="1320800"/>
+          </a:xfrm>
+        </p:spPr>
+        <p:txBody>
+          <a:bodyPr/>
+          <a:lstStyle/>
+          <a:p>
+            <a:r>
+              <a:rPr lang="vi-VN" dirty="0" smtClean="0"/>
+              <a:t>Lệnh ngắt trang</a:t>
+            </a:r>
+            <a:endParaRPr lang="vi-VN" dirty="0"/>
+          </a:p>
+        </p:txBody>
+      </p:sp>
+      <p:sp>
+        <p:nvSpPr>
+          <p:cNvPr id="3" name="Content Placeholder 2"/>
+          <p:cNvSpPr>
+            <a:spLocks noGrp="1"/>
+          </p:cNvSpPr>
+          <p:nvPr>
+            <p:ph idx="1"/>
+          </p:nvPr>
+        </p:nvSpPr>
+        <p:spPr>
+          <a:xfrm>
+            <a:off x="677334" y="2706771"/>
+            <a:ext cx="8596668" cy="3880773"/>
           </a:xfrm>
         </p:spPr>
         <p:txBody>
@@ -8733,25 +8763,17 @@
               <a:buNone/>
             </a:pPr>
             <a:r>
-              <a:rPr lang="vi-VN" sz="5400" b="1" dirty="0" smtClean="0">
-                <a:solidFill>
-                  <a:srgbClr val="92D050"/>
-                </a:solidFill>
-              </a:rPr>
-              <a:t>CÁM ƠN CÁC BẠN ĐÃ THEO DÕI BUỔI HỌC</a:t>
-            </a:r>
-            <a:endParaRPr lang="vi-VN" sz="5400" b="1" dirty="0">
-              <a:solidFill>
-                <a:srgbClr val="92D050"/>
-              </a:solidFill>
-            </a:endParaRPr>
+              <a:rPr lang="vi-VN" sz="4000" b="1" dirty="0" smtClean="0"/>
+              <a:t>\newpage</a:t>
+            </a:r>
+            <a:endParaRPr lang="vi-VN" sz="4000" b="1" dirty="0"/>
           </a:p>
         </p:txBody>
       </p:sp>
     </p:spTree>
     <p:extLst>
       <p:ext uri="{BB962C8B-B14F-4D97-AF65-F5344CB8AC3E}">
-        <p14:creationId xmlns:p14="http://schemas.microsoft.com/office/powerpoint/2010/main" val="1985995013"/>
+        <p14:creationId xmlns:p14="http://schemas.microsoft.com/office/powerpoint/2010/main" val="3977023064"/>
       </p:ext>
     </p:extLst>
   </p:cSld>
@@ -8780,17 +8802,485 @@
       </p:grpSpPr>
       <p:sp>
         <p:nvSpPr>
-          <p:cNvPr id="2" name="Title 1"/>
+          <p:cNvPr id="4" name="Title 3"/>
           <p:cNvSpPr>
             <a:spLocks noGrp="1"/>
           </p:cNvSpPr>
           <p:nvPr>
             <p:ph type="title"/>
           </p:nvPr>
+        </p:nvSpPr>
+        <p:spPr/>
+        <p:txBody>
+          <a:bodyPr/>
+          <a:lstStyle/>
+          <a:p>
+            <a:r>
+              <a:rPr lang="vi-VN" dirty="0" smtClean="0"/>
+              <a:t>Lệnh </a:t>
+            </a:r>
+            <a:r>
+              <a:rPr lang="vi-VN" dirty="0"/>
+              <a:t>\pagestyle{kiểu}</a:t>
+            </a:r>
+            <a:endParaRPr lang="vi-VN" dirty="0"/>
+          </a:p>
+        </p:txBody>
+      </p:sp>
+      <p:sp>
+        <p:nvSpPr>
+          <p:cNvPr id="5" name="TextBox 4"/>
+          <p:cNvSpPr txBox="1"/>
+          <p:nvPr/>
         </p:nvSpPr>
         <p:spPr>
           <a:xfrm>
-            <a:off x="691426" y="738389"/>
+            <a:off x="579550" y="2343955"/>
+            <a:ext cx="9878096" cy="2677656"/>
+          </a:xfrm>
+          <a:prstGeom prst="rect">
+            <a:avLst/>
+          </a:prstGeom>
+          <a:noFill/>
+        </p:spPr>
+        <p:txBody>
+          <a:bodyPr wrap="square" rtlCol="0">
+            <a:spAutoFit/>
+          </a:bodyPr>
+          <a:lstStyle/>
+          <a:p>
+            <a:r>
+              <a:rPr lang="vi-VN" sz="2800" b="1" dirty="0"/>
+              <a:t>plain</a:t>
+            </a:r>
+            <a:r>
+              <a:rPr lang="vi-VN" sz="2800" dirty="0"/>
+              <a:t> đánh và xuất số trang ở giữa phần chân ở cuối trang văn bản. Đây là kiểu định dạng mặc định.</a:t>
+            </a:r>
+          </a:p>
+          <a:p>
+            <a:r>
+              <a:rPr lang="vi-VN" sz="2800" b="1" dirty="0"/>
+              <a:t>headings</a:t>
+            </a:r>
+            <a:r>
+              <a:rPr lang="vi-VN" sz="2800" dirty="0"/>
+              <a:t> xuất tiêu đề của chương hiện tại và số thứ tự của trang văn bản ở vùng tiêu đề của trang; đồng thời, phần chân của trang được để trống.</a:t>
+            </a:r>
+          </a:p>
+          <a:p>
+            <a:r>
+              <a:rPr lang="vi-VN" sz="2800" b="1" dirty="0"/>
+              <a:t>empty</a:t>
+            </a:r>
+            <a:r>
+              <a:rPr lang="vi-VN" sz="2800" dirty="0"/>
+              <a:t> đặt cả phần tiêu đề và phân chân của trang là rỗng.</a:t>
+            </a:r>
+          </a:p>
+        </p:txBody>
+      </p:sp>
+    </p:spTree>
+    <p:extLst>
+      <p:ext uri="{BB962C8B-B14F-4D97-AF65-F5344CB8AC3E}">
+        <p14:creationId xmlns:p14="http://schemas.microsoft.com/office/powerpoint/2010/main" val="438025784"/>
+      </p:ext>
+    </p:extLst>
+  </p:cSld>
+  <p:clrMapOvr>
+    <a:masterClrMapping/>
+  </p:clrMapOvr>
+</p:sld>
+</file>
+
+<file path=ppt/slides/slide26.xml><?xml version="1.0" encoding="utf-8"?>
+<p:sld xmlns:a="http://schemas.openxmlformats.org/drawingml/2006/main" xmlns:r="http://schemas.openxmlformats.org/officeDocument/2006/relationships" xmlns:p="http://schemas.openxmlformats.org/presentationml/2006/main">
+  <p:cSld>
+    <p:spTree>
+      <p:nvGrpSpPr>
+        <p:cNvPr id="1" name=""/>
+        <p:cNvGrpSpPr/>
+        <p:nvPr/>
+      </p:nvGrpSpPr>
+      <p:grpSpPr>
+        <a:xfrm>
+          <a:off x="0" y="0"/>
+          <a:ext cx="0" cy="0"/>
+          <a:chOff x="0" y="0"/>
+          <a:chExt cx="0" cy="0"/>
+        </a:xfrm>
+      </p:grpSpPr>
+      <p:sp>
+        <p:nvSpPr>
+          <p:cNvPr id="2" name="Title 1"/>
+          <p:cNvSpPr>
+            <a:spLocks noGrp="1"/>
+          </p:cNvSpPr>
+          <p:nvPr>
+            <p:ph type="title"/>
+          </p:nvPr>
+        </p:nvSpPr>
+        <p:spPr/>
+        <p:txBody>
+          <a:bodyPr/>
+          <a:lstStyle/>
+          <a:p>
+            <a:r>
+              <a:rPr lang="en-US" dirty="0" smtClean="0">
+                <a:latin typeface="Arial" panose="020B0604020202020204" pitchFamily="34" charset="0"/>
+                <a:cs typeface="Arial" panose="020B0604020202020204" pitchFamily="34" charset="0"/>
+              </a:rPr>
+              <a:t>HIỆN TÊN CHAPTER TRÊN ĐẦU TRANG</a:t>
+            </a:r>
+            <a:endParaRPr lang="vi-VN" dirty="0">
+              <a:latin typeface="Arial" panose="020B0604020202020204" pitchFamily="34" charset="0"/>
+              <a:cs typeface="Arial" panose="020B0604020202020204" pitchFamily="34" charset="0"/>
+            </a:endParaRPr>
+          </a:p>
+        </p:txBody>
+      </p:sp>
+      <p:sp>
+        <p:nvSpPr>
+          <p:cNvPr id="3" name="Content Placeholder 2"/>
+          <p:cNvSpPr>
+            <a:spLocks noGrp="1"/>
+          </p:cNvSpPr>
+          <p:nvPr>
+            <p:ph idx="1"/>
+          </p:nvPr>
+        </p:nvSpPr>
+        <p:spPr>
+          <a:xfrm>
+            <a:off x="677334" y="2186346"/>
+            <a:ext cx="8596668" cy="3880773"/>
+          </a:xfrm>
+        </p:spPr>
+        <p:txBody>
+          <a:bodyPr>
+            <a:normAutofit fontScale="92500" lnSpcReduction="10000"/>
+          </a:bodyPr>
+          <a:lstStyle/>
+          <a:p>
+            <a:pPr marL="0" indent="0">
+              <a:buNone/>
+            </a:pPr>
+            <a:r>
+              <a:rPr lang="vi-VN" sz="4000" dirty="0" smtClean="0"/>
+              <a:t>%Chi doi voi dang book</a:t>
+            </a:r>
+          </a:p>
+          <a:p>
+            <a:pPr marL="0" indent="0">
+              <a:buNone/>
+            </a:pPr>
+            <a:r>
+              <a:rPr lang="vi-VN" sz="4000" dirty="0" smtClean="0"/>
+              <a:t>\pagestyle{headings}</a:t>
+            </a:r>
+          </a:p>
+          <a:p>
+            <a:pPr marL="0" indent="0">
+              <a:buNone/>
+            </a:pPr>
+            <a:endParaRPr lang="vi-VN" sz="4000" dirty="0"/>
+          </a:p>
+          <a:p>
+            <a:pPr marL="0" indent="0">
+              <a:buNone/>
+            </a:pPr>
+            <a:r>
+              <a:rPr lang="vi-VN" sz="4000" dirty="0" smtClean="0"/>
+              <a:t>\begin{document}</a:t>
+            </a:r>
+          </a:p>
+          <a:p>
+            <a:pPr marL="0" indent="0">
+              <a:buNone/>
+            </a:pPr>
+            <a:r>
+              <a:rPr lang="vi-VN" sz="4000" dirty="0" smtClean="0"/>
+              <a:t>	\chapter{tên chaper}</a:t>
+            </a:r>
+            <a:endParaRPr lang="vi-VN" sz="4000" dirty="0"/>
+          </a:p>
+          <a:p>
+            <a:pPr marL="0" indent="0">
+              <a:buNone/>
+            </a:pPr>
+            <a:r>
+              <a:rPr lang="vi-VN" sz="4000" dirty="0" smtClean="0"/>
+              <a:t>\end{document}</a:t>
+            </a:r>
+          </a:p>
+          <a:p>
+            <a:pPr marL="0" indent="0">
+              <a:buNone/>
+            </a:pPr>
+            <a:endParaRPr lang="vi-VN" sz="4000" dirty="0"/>
+          </a:p>
+        </p:txBody>
+      </p:sp>
+    </p:spTree>
+    <p:extLst>
+      <p:ext uri="{BB962C8B-B14F-4D97-AF65-F5344CB8AC3E}">
+        <p14:creationId xmlns:p14="http://schemas.microsoft.com/office/powerpoint/2010/main" val="3333059549"/>
+      </p:ext>
+    </p:extLst>
+  </p:cSld>
+  <p:clrMapOvr>
+    <a:masterClrMapping/>
+  </p:clrMapOvr>
+</p:sld>
+</file>
+
+<file path=ppt/slides/slide27.xml><?xml version="1.0" encoding="utf-8"?>
+<p:sld xmlns:a="http://schemas.openxmlformats.org/drawingml/2006/main" xmlns:r="http://schemas.openxmlformats.org/officeDocument/2006/relationships" xmlns:p="http://schemas.openxmlformats.org/presentationml/2006/main">
+  <p:cSld>
+    <p:spTree>
+      <p:nvGrpSpPr>
+        <p:cNvPr id="1" name=""/>
+        <p:cNvGrpSpPr/>
+        <p:nvPr/>
+      </p:nvGrpSpPr>
+      <p:grpSpPr>
+        <a:xfrm>
+          <a:off x="0" y="0"/>
+          <a:ext cx="0" cy="0"/>
+          <a:chOff x="0" y="0"/>
+          <a:chExt cx="0" cy="0"/>
+        </a:xfrm>
+      </p:grpSpPr>
+      <p:pic>
+        <p:nvPicPr>
+          <p:cNvPr id="4" name="Picture 3"/>
+          <p:cNvPicPr>
+            <a:picLocks noChangeAspect="1"/>
+          </p:cNvPicPr>
+          <p:nvPr/>
+        </p:nvPicPr>
+        <p:blipFill>
+          <a:blip r:embed="rId2"/>
+          <a:stretch>
+            <a:fillRect/>
+          </a:stretch>
+        </p:blipFill>
+        <p:spPr>
+          <a:xfrm>
+            <a:off x="737644" y="1124238"/>
+            <a:ext cx="4200000" cy="4609524"/>
+          </a:xfrm>
+          <a:prstGeom prst="rect">
+            <a:avLst/>
+          </a:prstGeom>
+        </p:spPr>
+      </p:pic>
+      <p:pic>
+        <p:nvPicPr>
+          <p:cNvPr id="5" name="Picture 4"/>
+          <p:cNvPicPr>
+            <a:picLocks noChangeAspect="1"/>
+          </p:cNvPicPr>
+          <p:nvPr/>
+        </p:nvPicPr>
+        <p:blipFill>
+          <a:blip r:embed="rId3"/>
+          <a:stretch>
+            <a:fillRect/>
+          </a:stretch>
+        </p:blipFill>
+        <p:spPr>
+          <a:xfrm>
+            <a:off x="5085404" y="1124238"/>
+            <a:ext cx="4689660" cy="4942857"/>
+          </a:xfrm>
+          <a:prstGeom prst="rect">
+            <a:avLst/>
+          </a:prstGeom>
+        </p:spPr>
+      </p:pic>
+    </p:spTree>
+    <p:extLst>
+      <p:ext uri="{BB962C8B-B14F-4D97-AF65-F5344CB8AC3E}">
+        <p14:creationId xmlns:p14="http://schemas.microsoft.com/office/powerpoint/2010/main" val="9562305"/>
+      </p:ext>
+    </p:extLst>
+  </p:cSld>
+  <p:clrMapOvr>
+    <a:masterClrMapping/>
+  </p:clrMapOvr>
+</p:sld>
+</file>
+
+<file path=ppt/slides/slide28.xml><?xml version="1.0" encoding="utf-8"?>
+<p:sld xmlns:a="http://schemas.openxmlformats.org/drawingml/2006/main" xmlns:r="http://schemas.openxmlformats.org/officeDocument/2006/relationships" xmlns:p="http://schemas.openxmlformats.org/presentationml/2006/main">
+  <p:cSld>
+    <p:spTree>
+      <p:nvGrpSpPr>
+        <p:cNvPr id="1" name=""/>
+        <p:cNvGrpSpPr/>
+        <p:nvPr/>
+      </p:nvGrpSpPr>
+      <p:grpSpPr>
+        <a:xfrm>
+          <a:off x="0" y="0"/>
+          <a:ext cx="0" cy="0"/>
+          <a:chOff x="0" y="0"/>
+          <a:chExt cx="0" cy="0"/>
+        </a:xfrm>
+      </p:grpSpPr>
+      <p:sp>
+        <p:nvSpPr>
+          <p:cNvPr id="2" name="Title 1"/>
+          <p:cNvSpPr>
+            <a:spLocks noGrp="1"/>
+          </p:cNvSpPr>
+          <p:nvPr>
+            <p:ph type="title"/>
+          </p:nvPr>
+        </p:nvSpPr>
+        <p:spPr/>
+        <p:txBody>
+          <a:bodyPr/>
+          <a:lstStyle/>
+          <a:p>
+            <a:r>
+              <a:rPr lang="vi-VN" dirty="0" smtClean="0"/>
+              <a:t>Custom thanh header bằng gói </a:t>
+            </a:r>
+            <a:endParaRPr lang="vi-VN" dirty="0"/>
+          </a:p>
+        </p:txBody>
+      </p:sp>
+      <p:sp>
+        <p:nvSpPr>
+          <p:cNvPr id="3" name="Content Placeholder 2"/>
+          <p:cNvSpPr>
+            <a:spLocks noGrp="1"/>
+          </p:cNvSpPr>
+          <p:nvPr>
+            <p:ph idx="1"/>
+          </p:nvPr>
+        </p:nvSpPr>
+        <p:spPr>
+          <a:xfrm>
+            <a:off x="2506133" y="1930400"/>
+            <a:ext cx="8596668" cy="3880773"/>
+          </a:xfrm>
+        </p:spPr>
+        <p:txBody>
+          <a:bodyPr>
+            <a:normAutofit/>
+          </a:bodyPr>
+          <a:lstStyle/>
+          <a:p>
+            <a:pPr marL="0" indent="0">
+              <a:buNone/>
+            </a:pPr>
+            <a:r>
+              <a:rPr lang="vi-VN" sz="3600" b="1" dirty="0" smtClean="0"/>
+              <a:t>\usepackage{fancyhdr}</a:t>
+            </a:r>
+            <a:endParaRPr lang="vi-VN" sz="3600" b="1" dirty="0"/>
+          </a:p>
+        </p:txBody>
+      </p:sp>
+      <p:sp>
+        <p:nvSpPr>
+          <p:cNvPr id="5" name="TextBox 4"/>
+          <p:cNvSpPr txBox="1"/>
+          <p:nvPr/>
+        </p:nvSpPr>
+        <p:spPr>
+          <a:xfrm>
+            <a:off x="631065" y="3026535"/>
+            <a:ext cx="7753081" cy="2308324"/>
+          </a:xfrm>
+          <a:prstGeom prst="rect">
+            <a:avLst/>
+          </a:prstGeom>
+          <a:noFill/>
+        </p:spPr>
+        <p:txBody>
+          <a:bodyPr wrap="square" rtlCol="0">
+            <a:spAutoFit/>
+          </a:bodyPr>
+          <a:lstStyle/>
+          <a:p>
+            <a:r>
+              <a:rPr lang="vi-VN" sz="2400" dirty="0" smtClean="0"/>
+              <a:t>\pagestyle{fancy} Khai báo page style của gói vừa khai báo</a:t>
+            </a:r>
+          </a:p>
+          <a:p>
+            <a:r>
+              <a:rPr lang="vi-VN" sz="2400" dirty="0" smtClean="0"/>
+              <a:t>\rhead{Nội dung} tiêu đề góc trên bên phải</a:t>
+            </a:r>
+          </a:p>
+          <a:p>
+            <a:r>
+              <a:rPr lang="vi-VN" sz="2400" dirty="0" smtClean="0"/>
+              <a:t>\lhead{Nội dung} Tiêu đề góc trên bên trái</a:t>
+            </a:r>
+          </a:p>
+          <a:p>
+            <a:r>
+              <a:rPr lang="vi-VN" sz="2400" dirty="0" smtClean="0"/>
+              <a:t>\rfoot{Nội dung}  Tiêu đề góc chân bên phải</a:t>
+            </a:r>
+          </a:p>
+          <a:p>
+            <a:r>
+              <a:rPr lang="vi-VN" sz="2400" dirty="0" smtClean="0"/>
+              <a:t>\thepage Số trang</a:t>
+            </a:r>
+            <a:endParaRPr lang="vi-VN" sz="2400" dirty="0"/>
+          </a:p>
+        </p:txBody>
+      </p:sp>
+    </p:spTree>
+    <p:extLst>
+      <p:ext uri="{BB962C8B-B14F-4D97-AF65-F5344CB8AC3E}">
+        <p14:creationId xmlns:p14="http://schemas.microsoft.com/office/powerpoint/2010/main" val="344507058"/>
+      </p:ext>
+    </p:extLst>
+  </p:cSld>
+  <p:clrMapOvr>
+    <a:masterClrMapping/>
+  </p:clrMapOvr>
+</p:sld>
+</file>
+
+<file path=ppt/slides/slide29.xml><?xml version="1.0" encoding="utf-8"?>
+<p:sld xmlns:a="http://schemas.openxmlformats.org/drawingml/2006/main" xmlns:r="http://schemas.openxmlformats.org/officeDocument/2006/relationships" xmlns:p="http://schemas.openxmlformats.org/presentationml/2006/main">
+  <p:cSld>
+    <p:spTree>
+      <p:nvGrpSpPr>
+        <p:cNvPr id="1" name=""/>
+        <p:cNvGrpSpPr/>
+        <p:nvPr/>
+      </p:nvGrpSpPr>
+      <p:grpSpPr>
+        <a:xfrm>
+          <a:off x="0" y="0"/>
+          <a:ext cx="0" cy="0"/>
+          <a:chOff x="0" y="0"/>
+          <a:chExt cx="0" cy="0"/>
+        </a:xfrm>
+      </p:grpSpPr>
+      <p:sp>
+        <p:nvSpPr>
+          <p:cNvPr id="2" name="Title 1"/>
+          <p:cNvSpPr>
+            <a:spLocks noGrp="1"/>
+          </p:cNvSpPr>
+          <p:nvPr>
+            <p:ph type="title"/>
+          </p:nvPr>
+        </p:nvSpPr>
+        <p:spPr>
+          <a:xfrm>
+            <a:off x="793244" y="493690"/>
             <a:ext cx="8596668" cy="1320800"/>
           </a:xfrm>
         </p:spPr>
@@ -8799,123 +9289,43 @@
           <a:lstStyle/>
           <a:p>
             <a:r>
-              <a:rPr lang="en-US" dirty="0" err="1" smtClean="0"/>
-              <a:t>Tài</a:t>
-            </a:r>
-            <a:r>
-              <a:rPr lang="en-US" dirty="0" smtClean="0"/>
-              <a:t> </a:t>
-            </a:r>
-            <a:r>
-              <a:rPr lang="en-US" dirty="0" err="1" smtClean="0"/>
-              <a:t>liệu</a:t>
-            </a:r>
-            <a:r>
-              <a:rPr lang="en-US" dirty="0" smtClean="0"/>
-              <a:t> </a:t>
-            </a:r>
-            <a:r>
-              <a:rPr lang="en-US" dirty="0" err="1" smtClean="0"/>
-              <a:t>tham</a:t>
-            </a:r>
-            <a:r>
-              <a:rPr lang="en-US" dirty="0" smtClean="0"/>
-              <a:t> </a:t>
-            </a:r>
-            <a:r>
-              <a:rPr lang="en-US" dirty="0" err="1" smtClean="0"/>
-              <a:t>khảo</a:t>
-            </a:r>
-            <a:r>
-              <a:rPr lang="en-US" dirty="0" smtClean="0"/>
-              <a:t>: </a:t>
+              <a:rPr lang="vi-VN" dirty="0" smtClean="0"/>
+              <a:t>VÍ DỤ</a:t>
             </a:r>
             <a:endParaRPr lang="vi-VN" dirty="0"/>
           </a:p>
         </p:txBody>
       </p:sp>
-      <p:sp>
-        <p:nvSpPr>
-          <p:cNvPr id="3" name="Content Placeholder 2"/>
-          <p:cNvSpPr>
-            <a:spLocks noGrp="1"/>
-          </p:cNvSpPr>
+      <p:pic>
+        <p:nvPicPr>
+          <p:cNvPr id="6" name="Content Placeholder 5"/>
+          <p:cNvPicPr>
+            <a:picLocks noGrp="1" noChangeAspect="1"/>
+          </p:cNvPicPr>
           <p:nvPr>
             <p:ph idx="1"/>
           </p:nvPr>
-        </p:nvSpPr>
+        </p:nvPicPr>
+        <p:blipFill>
+          <a:blip r:embed="rId2"/>
+          <a:stretch>
+            <a:fillRect/>
+          </a:stretch>
+        </p:blipFill>
         <p:spPr>
           <a:xfrm>
-            <a:off x="691426" y="2469682"/>
-            <a:ext cx="8596668" cy="3880773"/>
+            <a:off x="3189744" y="493690"/>
+            <a:ext cx="5437271" cy="5547418"/>
           </a:xfrm>
+          <a:prstGeom prst="rect">
+            <a:avLst/>
+          </a:prstGeom>
         </p:spPr>
-        <p:txBody>
-          <a:bodyPr>
-            <a:normAutofit/>
-          </a:bodyPr>
-          <a:lstStyle/>
-          <a:p>
-            <a:r>
-              <a:rPr lang="vi-VN" sz="2800" i="1" dirty="0">
-                <a:hlinkClick r:id="rId2"/>
-              </a:rPr>
-              <a:t>https://</a:t>
-            </a:r>
-            <a:r>
-              <a:rPr lang="vi-VN" sz="2800" i="1" dirty="0" smtClean="0">
-                <a:hlinkClick r:id="rId2"/>
-              </a:rPr>
-              <a:t>www.overleaf.com/learn/latex/Creating_a_document_in_LaTeX</a:t>
-            </a:r>
-            <a:endParaRPr lang="en-US" sz="2800" i="1" dirty="0" smtClean="0"/>
-          </a:p>
-          <a:p>
-            <a:r>
-              <a:rPr lang="vi-VN" sz="2800" i="1" u="sng" dirty="0">
-                <a:solidFill>
-                  <a:srgbClr val="92D050"/>
-                </a:solidFill>
-                <a:hlinkClick r:id="rId3"/>
-              </a:rPr>
-              <a:t>https://phamanhvinh.wordpress.com/2017/04/10/latex-bai-1-soan-thao-trong-latex</a:t>
-            </a:r>
-            <a:r>
-              <a:rPr lang="vi-VN" sz="2800" i="1" u="sng" dirty="0" smtClean="0">
-                <a:solidFill>
-                  <a:srgbClr val="92D050"/>
-                </a:solidFill>
-                <a:hlinkClick r:id="rId3"/>
-              </a:rPr>
-              <a:t>/</a:t>
-            </a:r>
-            <a:endParaRPr lang="vi-VN" sz="2800" i="1" u="sng" dirty="0" smtClean="0">
-              <a:solidFill>
-                <a:srgbClr val="92D050"/>
-              </a:solidFill>
-            </a:endParaRPr>
-          </a:p>
-          <a:p>
-            <a:r>
-              <a:rPr lang="vi-VN" sz="2800" i="1" u="sng" dirty="0">
-                <a:solidFill>
-                  <a:srgbClr val="92D050"/>
-                </a:solidFill>
-              </a:rPr>
-              <a:t>https://blogchiasekienthuc.com/thu-thuat-hay/soan-thao-van-ban-voi-latex.html</a:t>
-            </a:r>
-            <a:endParaRPr lang="vi-VN" sz="2800" i="1" u="sng" dirty="0">
-              <a:solidFill>
-                <a:srgbClr val="92D050"/>
-              </a:solidFill>
-            </a:endParaRPr>
-          </a:p>
-        </p:txBody>
-      </p:sp>
+      </p:pic>
     </p:spTree>
     <p:extLst>
       <p:ext uri="{BB962C8B-B14F-4D97-AF65-F5344CB8AC3E}">
-        <p14:creationId xmlns:p14="http://schemas.microsoft.com/office/powerpoint/2010/main" val="3225512596"/>
+        <p14:creationId xmlns:p14="http://schemas.microsoft.com/office/powerpoint/2010/main" val="1135429753"/>
       </p:ext>
     </p:extLst>
   </p:cSld>
@@ -9058,6 +9468,290 @@
       </p:par>
     </p:tnLst>
   </p:timing>
+</p:sld>
+</file>
+
+<file path=ppt/slides/slide30.xml><?xml version="1.0" encoding="utf-8"?>
+<p:sld xmlns:a="http://schemas.openxmlformats.org/drawingml/2006/main" xmlns:r="http://schemas.openxmlformats.org/officeDocument/2006/relationships" xmlns:p="http://schemas.openxmlformats.org/presentationml/2006/main">
+  <p:cSld>
+    <p:spTree>
+      <p:nvGrpSpPr>
+        <p:cNvPr id="1" name=""/>
+        <p:cNvGrpSpPr/>
+        <p:nvPr/>
+      </p:nvGrpSpPr>
+      <p:grpSpPr>
+        <a:xfrm>
+          <a:off x="0" y="0"/>
+          <a:ext cx="0" cy="0"/>
+          <a:chOff x="0" y="0"/>
+          <a:chExt cx="0" cy="0"/>
+        </a:xfrm>
+      </p:grpSpPr>
+      <p:pic>
+        <p:nvPicPr>
+          <p:cNvPr id="4" name="Picture 3"/>
+          <p:cNvPicPr>
+            <a:picLocks noChangeAspect="1"/>
+          </p:cNvPicPr>
+          <p:nvPr/>
+        </p:nvPicPr>
+        <p:blipFill>
+          <a:blip r:embed="rId2"/>
+          <a:stretch>
+            <a:fillRect/>
+          </a:stretch>
+        </p:blipFill>
+        <p:spPr>
+          <a:xfrm>
+            <a:off x="2704564" y="267940"/>
+            <a:ext cx="4211392" cy="6209656"/>
+          </a:xfrm>
+          <a:prstGeom prst="rect">
+            <a:avLst/>
+          </a:prstGeom>
+        </p:spPr>
+      </p:pic>
+    </p:spTree>
+    <p:extLst>
+      <p:ext uri="{BB962C8B-B14F-4D97-AF65-F5344CB8AC3E}">
+        <p14:creationId xmlns:p14="http://schemas.microsoft.com/office/powerpoint/2010/main" val="3734635239"/>
+      </p:ext>
+    </p:extLst>
+  </p:cSld>
+  <p:clrMapOvr>
+    <a:masterClrMapping/>
+  </p:clrMapOvr>
+</p:sld>
+</file>
+
+<file path=ppt/slides/slide31.xml><?xml version="1.0" encoding="utf-8"?>
+<p:sld xmlns:a="http://schemas.openxmlformats.org/drawingml/2006/main" xmlns:r="http://schemas.openxmlformats.org/officeDocument/2006/relationships" xmlns:p="http://schemas.openxmlformats.org/presentationml/2006/main">
+  <p:cSld>
+    <p:spTree>
+      <p:nvGrpSpPr>
+        <p:cNvPr id="1" name=""/>
+        <p:cNvGrpSpPr/>
+        <p:nvPr/>
+      </p:nvGrpSpPr>
+      <p:grpSpPr>
+        <a:xfrm>
+          <a:off x="0" y="0"/>
+          <a:ext cx="0" cy="0"/>
+          <a:chOff x="0" y="0"/>
+          <a:chExt cx="0" cy="0"/>
+        </a:xfrm>
+      </p:grpSpPr>
+      <p:sp>
+        <p:nvSpPr>
+          <p:cNvPr id="3" name="Content Placeholder 2"/>
+          <p:cNvSpPr>
+            <a:spLocks noGrp="1"/>
+          </p:cNvSpPr>
+          <p:nvPr>
+            <p:ph idx="1"/>
+          </p:nvPr>
+        </p:nvSpPr>
+        <p:spPr>
+          <a:xfrm>
+            <a:off x="156346" y="2624229"/>
+            <a:ext cx="9638643" cy="3880773"/>
+          </a:xfrm>
+        </p:spPr>
+        <p:txBody>
+          <a:bodyPr>
+            <a:normAutofit/>
+          </a:bodyPr>
+          <a:lstStyle/>
+          <a:p>
+            <a:pPr marL="0" indent="0" algn="ctr">
+              <a:buNone/>
+            </a:pPr>
+            <a:r>
+              <a:rPr lang="vi-VN" sz="5400" b="1" dirty="0" smtClean="0">
+                <a:solidFill>
+                  <a:srgbClr val="92D050"/>
+                </a:solidFill>
+              </a:rPr>
+              <a:t>CÁM ƠN CÁC BẠN ĐÃ THEO DÕI BUỔI HỌC</a:t>
+            </a:r>
+            <a:endParaRPr lang="vi-VN" sz="5400" b="1" dirty="0">
+              <a:solidFill>
+                <a:srgbClr val="92D050"/>
+              </a:solidFill>
+            </a:endParaRPr>
+          </a:p>
+        </p:txBody>
+      </p:sp>
+    </p:spTree>
+    <p:extLst>
+      <p:ext uri="{BB962C8B-B14F-4D97-AF65-F5344CB8AC3E}">
+        <p14:creationId xmlns:p14="http://schemas.microsoft.com/office/powerpoint/2010/main" val="1985995013"/>
+      </p:ext>
+    </p:extLst>
+  </p:cSld>
+  <p:clrMapOvr>
+    <a:masterClrMapping/>
+  </p:clrMapOvr>
+</p:sld>
+</file>
+
+<file path=ppt/slides/slide32.xml><?xml version="1.0" encoding="utf-8"?>
+<p:sld xmlns:a="http://schemas.openxmlformats.org/drawingml/2006/main" xmlns:r="http://schemas.openxmlformats.org/officeDocument/2006/relationships" xmlns:p="http://schemas.openxmlformats.org/presentationml/2006/main">
+  <p:cSld>
+    <p:spTree>
+      <p:nvGrpSpPr>
+        <p:cNvPr id="1" name=""/>
+        <p:cNvGrpSpPr/>
+        <p:nvPr/>
+      </p:nvGrpSpPr>
+      <p:grpSpPr>
+        <a:xfrm>
+          <a:off x="0" y="0"/>
+          <a:ext cx="0" cy="0"/>
+          <a:chOff x="0" y="0"/>
+          <a:chExt cx="0" cy="0"/>
+        </a:xfrm>
+      </p:grpSpPr>
+      <p:sp>
+        <p:nvSpPr>
+          <p:cNvPr id="2" name="Title 1"/>
+          <p:cNvSpPr>
+            <a:spLocks noGrp="1"/>
+          </p:cNvSpPr>
+          <p:nvPr>
+            <p:ph type="title"/>
+          </p:nvPr>
+        </p:nvSpPr>
+        <p:spPr>
+          <a:xfrm>
+            <a:off x="691426" y="738389"/>
+            <a:ext cx="8596668" cy="1320800"/>
+          </a:xfrm>
+        </p:spPr>
+        <p:txBody>
+          <a:bodyPr/>
+          <a:lstStyle/>
+          <a:p>
+            <a:r>
+              <a:rPr lang="en-US" dirty="0" err="1" smtClean="0"/>
+              <a:t>Tài</a:t>
+            </a:r>
+            <a:r>
+              <a:rPr lang="en-US" dirty="0" smtClean="0"/>
+              <a:t> </a:t>
+            </a:r>
+            <a:r>
+              <a:rPr lang="en-US" dirty="0" err="1" smtClean="0"/>
+              <a:t>liệu</a:t>
+            </a:r>
+            <a:r>
+              <a:rPr lang="en-US" dirty="0" smtClean="0"/>
+              <a:t> </a:t>
+            </a:r>
+            <a:r>
+              <a:rPr lang="en-US" dirty="0" err="1" smtClean="0"/>
+              <a:t>tham</a:t>
+            </a:r>
+            <a:r>
+              <a:rPr lang="en-US" dirty="0" smtClean="0"/>
+              <a:t> </a:t>
+            </a:r>
+            <a:r>
+              <a:rPr lang="en-US" dirty="0" err="1" smtClean="0"/>
+              <a:t>khảo</a:t>
+            </a:r>
+            <a:r>
+              <a:rPr lang="en-US" dirty="0" smtClean="0"/>
+              <a:t>: </a:t>
+            </a:r>
+            <a:endParaRPr lang="vi-VN" dirty="0"/>
+          </a:p>
+        </p:txBody>
+      </p:sp>
+      <p:sp>
+        <p:nvSpPr>
+          <p:cNvPr id="3" name="Content Placeholder 2"/>
+          <p:cNvSpPr>
+            <a:spLocks noGrp="1"/>
+          </p:cNvSpPr>
+          <p:nvPr>
+            <p:ph idx="1"/>
+          </p:nvPr>
+        </p:nvSpPr>
+        <p:spPr>
+          <a:xfrm>
+            <a:off x="691426" y="2469682"/>
+            <a:ext cx="8596668" cy="3880773"/>
+          </a:xfrm>
+        </p:spPr>
+        <p:txBody>
+          <a:bodyPr>
+            <a:normAutofit/>
+          </a:bodyPr>
+          <a:lstStyle/>
+          <a:p>
+            <a:r>
+              <a:rPr lang="vi-VN" sz="2800" i="1" dirty="0">
+                <a:hlinkClick r:id="rId2"/>
+              </a:rPr>
+              <a:t>https://</a:t>
+            </a:r>
+            <a:r>
+              <a:rPr lang="vi-VN" sz="2800" i="1" dirty="0" smtClean="0">
+                <a:hlinkClick r:id="rId2"/>
+              </a:rPr>
+              <a:t>www.overleaf.com/learn/latex/Creating_a_document_in_LaTeX</a:t>
+            </a:r>
+            <a:endParaRPr lang="en-US" sz="2800" i="1" dirty="0" smtClean="0"/>
+          </a:p>
+          <a:p>
+            <a:r>
+              <a:rPr lang="vi-VN" sz="2800" i="1" u="sng" dirty="0">
+                <a:solidFill>
+                  <a:srgbClr val="92D050"/>
+                </a:solidFill>
+                <a:hlinkClick r:id="rId3"/>
+              </a:rPr>
+              <a:t>https://phamanhvinh.wordpress.com/2017/04/10/latex-bai-1-soan-thao-trong-latex</a:t>
+            </a:r>
+            <a:r>
+              <a:rPr lang="vi-VN" sz="2800" i="1" u="sng" dirty="0" smtClean="0">
+                <a:solidFill>
+                  <a:srgbClr val="92D050"/>
+                </a:solidFill>
+                <a:hlinkClick r:id="rId3"/>
+              </a:rPr>
+              <a:t>/</a:t>
+            </a:r>
+            <a:endParaRPr lang="vi-VN" sz="2800" i="1" u="sng" dirty="0" smtClean="0">
+              <a:solidFill>
+                <a:srgbClr val="92D050"/>
+              </a:solidFill>
+            </a:endParaRPr>
+          </a:p>
+          <a:p>
+            <a:r>
+              <a:rPr lang="vi-VN" sz="2800" i="1" u="sng" dirty="0">
+                <a:solidFill>
+                  <a:srgbClr val="92D050"/>
+                </a:solidFill>
+              </a:rPr>
+              <a:t>https://blogchiasekienthuc.com/thu-thuat-hay/soan-thao-van-ban-voi-latex.html</a:t>
+            </a:r>
+          </a:p>
+        </p:txBody>
+      </p:sp>
+    </p:spTree>
+    <p:extLst>
+      <p:ext uri="{BB962C8B-B14F-4D97-AF65-F5344CB8AC3E}">
+        <p14:creationId xmlns:p14="http://schemas.microsoft.com/office/powerpoint/2010/main" val="3225512596"/>
+      </p:ext>
+    </p:extLst>
+  </p:cSld>
+  <p:clrMapOvr>
+    <a:masterClrMapping/>
+  </p:clrMapOvr>
 </p:sld>
 </file>
 

--- a/Bài 1/LATEX CƠ BẢN - Bài 1.pptx
+++ b/Bài 1/LATEX CƠ BẢN - Bài 1.pptx
@@ -8517,11 +8517,7 @@
             </a:pPr>
             <a:r>
               <a:rPr lang="vi-VN" dirty="0" smtClean="0"/>
-              <a:t>\author{Hubert Farnsworth \</a:t>
-            </a:r>
-            <a:r>
-              <a:rPr lang="vi-VN" dirty="0" smtClean="0"/>
-              <a:t>thanks{</a:t>
+              <a:t>\author{Hubert Farnsworth \thanks{</a:t>
             </a:r>
             <a:r>
               <a:rPr lang="en-US" dirty="0" err="1" smtClean="0"/>
@@ -8823,7 +8819,6 @@
               <a:rPr lang="vi-VN" dirty="0"/>
               <a:t>\pagestyle{kiểu}</a:t>
             </a:r>
-            <a:endParaRPr lang="vi-VN" dirty="0"/>
           </a:p>
         </p:txBody>
       </p:sp>
@@ -9860,7 +9855,7 @@
           <a:p>
             <a:r>
               <a:rPr lang="en-US" sz="4800" dirty="0" smtClean="0"/>
-              <a:t>LATEX LÀ GÌ?</a:t>
+              <a:t>SƠ LƯỢC LATEX</a:t>
             </a:r>
             <a:endParaRPr lang="vi-VN" sz="4800" dirty="0"/>
           </a:p>

--- a/Bài 1/LATEX CƠ BẢN - Bài 1.pptx
+++ b/Bài 1/LATEX CƠ BẢN - Bài 1.pptx
@@ -19,8 +19,8 @@
     <p:sldId id="269" r:id="rId13"/>
     <p:sldId id="267" r:id="rId14"/>
     <p:sldId id="274" r:id="rId15"/>
-    <p:sldId id="268" r:id="rId16"/>
-    <p:sldId id="282" r:id="rId17"/>
+    <p:sldId id="282" r:id="rId16"/>
+    <p:sldId id="268" r:id="rId17"/>
     <p:sldId id="270" r:id="rId18"/>
     <p:sldId id="271" r:id="rId19"/>
     <p:sldId id="277" r:id="rId20"/>
@@ -6664,7 +6664,7 @@
           <a:p>
             <a:r>
               <a:rPr lang="vi-VN" dirty="0" smtClean="0"/>
-              <a:t>ĐẦU VÀO VÀ ĐẦU RA CỦA LATEX</a:t>
+              <a:t>CÁC ĐỊNH DẠNG THƯỜNG GẶP LATEX</a:t>
             </a:r>
             <a:endParaRPr lang="vi-VN" dirty="0"/>
           </a:p>
@@ -7010,42 +7010,14 @@
           </a:p>
           <a:p>
             <a:r>
-              <a:rPr lang="vi-VN" sz="2400" dirty="0" smtClean="0"/>
-              <a:t>Các lệnh LaTeX được khai báo sau dấu \ (splash)</a:t>
-            </a:r>
-          </a:p>
-          <a:p>
-            <a:r>
-              <a:rPr lang="vi-VN" sz="2400" b="1" dirty="0"/>
-              <a:t>article</a:t>
-            </a:r>
-            <a:r>
               <a:rPr lang="vi-VN" sz="2400" dirty="0"/>
-              <a:t> phù hợp khi soạn các bài báo trong các tạp chí khoa học, các văn bản trình diễn, các báo cáo ngắn, chương trình hoạt động, thư mời, . . .</a:t>
-            </a:r>
-          </a:p>
-          <a:p>
-            <a:r>
-              <a:rPr lang="vi-VN" sz="2400" b="1" dirty="0"/>
-              <a:t>report</a:t>
-            </a:r>
-            <a:r>
-              <a:rPr lang="vi-VN" sz="2400" dirty="0"/>
-              <a:t> phù hợp khi soạn các báo cáo gồm nhiều chương, các quyển sáchnhỏ, luận văn,. . .</a:t>
-            </a:r>
-          </a:p>
-          <a:p>
-            <a:r>
-              <a:rPr lang="vi-VN" sz="2400" b="1" dirty="0"/>
-              <a:t>book</a:t>
-            </a:r>
-            <a:r>
-              <a:rPr lang="vi-VN" sz="2400" dirty="0"/>
-              <a:t> phù hợp khi soạn </a:t>
-            </a:r>
-            <a:r>
-              <a:rPr lang="vi-VN" sz="2400" dirty="0" smtClean="0"/>
-              <a:t>sách</a:t>
+              <a:t>Options trong lệnh Documentclass là kích thước font chữ mặc định của toàn bộ văn bản trong latex , mặc định font size là 10 pt</a:t>
+            </a:r>
+          </a:p>
+          <a:p>
+            <a:r>
+              <a:rPr lang="vi-VN" sz="2400" i="1" dirty="0"/>
+              <a:t>VD : \Documentclass[15pt]{article}</a:t>
             </a:r>
           </a:p>
           <a:p>
@@ -7062,7 +7034,7 @@
     </p:spTree>
     <p:extLst>
       <p:ext uri="{BB962C8B-B14F-4D97-AF65-F5344CB8AC3E}">
-        <p14:creationId xmlns:p14="http://schemas.microsoft.com/office/powerpoint/2010/main" val="385057932"/>
+        <p14:creationId xmlns:p14="http://schemas.microsoft.com/office/powerpoint/2010/main" val="172330463"/>
       </p:ext>
     </p:extLst>
   </p:cSld>
@@ -7186,14 +7158,42 @@
           </a:p>
           <a:p>
             <a:r>
+              <a:rPr lang="vi-VN" sz="2400" dirty="0" smtClean="0"/>
+              <a:t>Các lệnh LaTeX được khai báo sau dấu \ (splash)</a:t>
+            </a:r>
+          </a:p>
+          <a:p>
+            <a:r>
+              <a:rPr lang="vi-VN" sz="2400" b="1" dirty="0"/>
+              <a:t>article</a:t>
+            </a:r>
+            <a:r>
               <a:rPr lang="vi-VN" sz="2400" dirty="0"/>
-              <a:t>Options trong lệnh Documentclass là kích thước font chữ mặc định của toàn bộ văn bản trong latex , mặc định font size là 10 pt</a:t>
-            </a:r>
-          </a:p>
-          <a:p>
-            <a:r>
-              <a:rPr lang="vi-VN" sz="2400" i="1" dirty="0"/>
-              <a:t>VD : \Documentclass[15pt]{article}</a:t>
+              <a:t> phù hợp khi soạn các bài báo trong các tạp chí khoa học, các văn bản trình diễn, các báo cáo ngắn, chương trình hoạt động, thư mời, . . .</a:t>
+            </a:r>
+          </a:p>
+          <a:p>
+            <a:r>
+              <a:rPr lang="vi-VN" sz="2400" b="1" dirty="0"/>
+              <a:t>report</a:t>
+            </a:r>
+            <a:r>
+              <a:rPr lang="vi-VN" sz="2400" dirty="0"/>
+              <a:t> phù hợp khi soạn các báo cáo gồm nhiều chương, các quyển sáchnhỏ, luận văn,. . .</a:t>
+            </a:r>
+          </a:p>
+          <a:p>
+            <a:r>
+              <a:rPr lang="vi-VN" sz="2400" b="1" dirty="0"/>
+              <a:t>book</a:t>
+            </a:r>
+            <a:r>
+              <a:rPr lang="vi-VN" sz="2400" dirty="0"/>
+              <a:t> phù hợp khi soạn </a:t>
+            </a:r>
+            <a:r>
+              <a:rPr lang="vi-VN" sz="2400" dirty="0" smtClean="0"/>
+              <a:t>sách</a:t>
             </a:r>
           </a:p>
           <a:p>
@@ -7210,7 +7210,7 @@
     </p:spTree>
     <p:extLst>
       <p:ext uri="{BB962C8B-B14F-4D97-AF65-F5344CB8AC3E}">
-        <p14:creationId xmlns:p14="http://schemas.microsoft.com/office/powerpoint/2010/main" val="172330463"/>
+        <p14:creationId xmlns:p14="http://schemas.microsoft.com/office/powerpoint/2010/main" val="385057932"/>
       </p:ext>
     </p:extLst>
   </p:cSld>
@@ -8490,7 +8490,11 @@
             </a:pPr>
             <a:r>
               <a:rPr lang="vi-VN" dirty="0" smtClean="0"/>
-              <a:t>\usepackage[utf8]{vietnam}</a:t>
+              <a:t>\usepackage[utf8]{vietnam</a:t>
+            </a:r>
+            <a:r>
+              <a:rPr lang="vi-VN" dirty="0" smtClean="0"/>
+              <a:t>}</a:t>
             </a:r>
           </a:p>
           <a:p>
@@ -8499,16 +8503,11 @@
             </a:pPr>
             <a:r>
               <a:rPr lang="vi-VN" dirty="0" smtClean="0"/>
-              <a:t>\usepackage{amsmath}</a:t>
-            </a:r>
-          </a:p>
-          <a:p>
-            <a:pPr marL="0" indent="0">
-              <a:buNone/>
-            </a:pPr>
+              <a:t>\</a:t>
+            </a:r>
             <a:r>
               <a:rPr lang="vi-VN" dirty="0" smtClean="0"/>
-              <a:t>\title{First document}</a:t>
+              <a:t>title{First document}</a:t>
             </a:r>
           </a:p>
           <a:p>
@@ -8917,7 +8916,9 @@
         </p:nvSpPr>
         <p:spPr/>
         <p:txBody>
-          <a:bodyPr/>
+          <a:bodyPr>
+            <a:normAutofit fontScale="90000"/>
+          </a:bodyPr>
           <a:lstStyle/>
           <a:p>
             <a:r>
@@ -8925,7 +8926,14 @@
                 <a:latin typeface="Arial" panose="020B0604020202020204" pitchFamily="34" charset="0"/>
                 <a:cs typeface="Arial" panose="020B0604020202020204" pitchFamily="34" charset="0"/>
               </a:rPr>
-              <a:t>HIỆN TÊN CHAPTER TRÊN ĐẦU TRANG</a:t>
+              <a:t>HIỆN TÊN CHAPTER TRÊN ĐẦU </a:t>
+            </a:r>
+            <a:r>
+              <a:rPr lang="en-US" dirty="0" smtClean="0">
+                <a:latin typeface="Arial" panose="020B0604020202020204" pitchFamily="34" charset="0"/>
+                <a:cs typeface="Arial" panose="020B0604020202020204" pitchFamily="34" charset="0"/>
+              </a:rPr>
+              <a:t>TRANG (CHỈ ÁP DỤNG ĐƯỢC VỚI KIỂU TRANG LÀ BOOK)</a:t>
             </a:r>
             <a:endParaRPr lang="vi-VN" dirty="0">
               <a:latin typeface="Arial" panose="020B0604020202020204" pitchFamily="34" charset="0"/>
@@ -8952,7 +8960,7 @@
         </p:spPr>
         <p:txBody>
           <a:bodyPr>
-            <a:normAutofit fontScale="92500" lnSpcReduction="10000"/>
+            <a:normAutofit/>
           </a:bodyPr>
           <a:lstStyle/>
           <a:p>
@@ -8961,16 +8969,11 @@
             </a:pPr>
             <a:r>
               <a:rPr lang="vi-VN" sz="4000" dirty="0" smtClean="0"/>
-              <a:t>%Chi doi voi dang book</a:t>
-            </a:r>
-          </a:p>
-          <a:p>
-            <a:pPr marL="0" indent="0">
-              <a:buNone/>
-            </a:pPr>
+              <a:t>\</a:t>
+            </a:r>
             <a:r>
               <a:rPr lang="vi-VN" sz="4000" dirty="0" smtClean="0"/>
-              <a:t>\pagestyle{headings}</a:t>
+              <a:t>pagestyle{headings}</a:t>
             </a:r>
           </a:p>
           <a:p>

--- a/Bài 1/LATEX CƠ BẢN - Bài 1.pptx
+++ b/Bài 1/LATEX CƠ BẢN - Bài 1.pptx
@@ -8490,24 +8490,16 @@
             </a:pPr>
             <a:r>
               <a:rPr lang="vi-VN" dirty="0" smtClean="0"/>
-              <a:t>\usepackage[utf8]{vietnam</a:t>
-            </a:r>
+              <a:t>\usepackage[utf8]{vietnam}</a:t>
+            </a:r>
+          </a:p>
+          <a:p>
+            <a:pPr marL="0" indent="0">
+              <a:buNone/>
+            </a:pPr>
             <a:r>
               <a:rPr lang="vi-VN" dirty="0" smtClean="0"/>
-              <a:t>}</a:t>
-            </a:r>
-          </a:p>
-          <a:p>
-            <a:pPr marL="0" indent="0">
-              <a:buNone/>
-            </a:pPr>
-            <a:r>
-              <a:rPr lang="vi-VN" dirty="0" smtClean="0"/>
-              <a:t>\</a:t>
-            </a:r>
-            <a:r>
-              <a:rPr lang="vi-VN" dirty="0" smtClean="0"/>
-              <a:t>title{First document}</a:t>
+              <a:t>\title{First document}</a:t>
             </a:r>
           </a:p>
           <a:p>
@@ -8926,14 +8918,7 @@
                 <a:latin typeface="Arial" panose="020B0604020202020204" pitchFamily="34" charset="0"/>
                 <a:cs typeface="Arial" panose="020B0604020202020204" pitchFamily="34" charset="0"/>
               </a:rPr>
-              <a:t>HIỆN TÊN CHAPTER TRÊN ĐẦU </a:t>
-            </a:r>
-            <a:r>
-              <a:rPr lang="en-US" dirty="0" smtClean="0">
-                <a:latin typeface="Arial" panose="020B0604020202020204" pitchFamily="34" charset="0"/>
-                <a:cs typeface="Arial" panose="020B0604020202020204" pitchFamily="34" charset="0"/>
-              </a:rPr>
-              <a:t>TRANG (CHỈ ÁP DỤNG ĐƯỢC VỚI KIỂU TRANG LÀ BOOK)</a:t>
+              <a:t>HIỆN TÊN CHAPTER TRÊN ĐẦU TRANG (CHỈ ÁP DỤNG ĐƯỢC VỚI KIỂU TRANG LÀ BOOK)</a:t>
             </a:r>
             <a:endParaRPr lang="vi-VN" dirty="0">
               <a:latin typeface="Arial" panose="020B0604020202020204" pitchFamily="34" charset="0"/>
@@ -8969,11 +8954,7 @@
             </a:pPr>
             <a:r>
               <a:rPr lang="vi-VN" sz="4000" dirty="0" smtClean="0"/>
-              <a:t>\</a:t>
-            </a:r>
-            <a:r>
-              <a:rPr lang="vi-VN" sz="4000" dirty="0" smtClean="0"/>
-              <a:t>pagestyle{headings}</a:t>
+              <a:t>\pagestyle{headings}</a:t>
             </a:r>
           </a:p>
           <a:p>
@@ -9890,7 +9871,25 @@
               <a:rPr lang="vi-VN" sz="3200" dirty="0" smtClean="0">
                 <a:latin typeface="SVN-Agency FB" panose="02040603050506020204" pitchFamily="18" charset="0"/>
               </a:rPr>
-              <a:t>ĐƯỢC VIẾT LẦN ĐẦU  VÀO NĂM 1980 BỞI LESLIE LAMPORT TỪ HỆ THỐNG TEX . PHIÊN BẢN HIỆN TẠI LÀ LaTeX 2e</a:t>
+              <a:t>ĐƯỢC VIẾT LẦN </a:t>
+            </a:r>
+            <a:r>
+              <a:rPr lang="vi-VN" sz="3200" smtClean="0">
+                <a:latin typeface="SVN-Agency FB" panose="02040603050506020204" pitchFamily="18" charset="0"/>
+              </a:rPr>
+              <a:t>ĐẦU </a:t>
+            </a:r>
+            <a:r>
+              <a:rPr lang="vi-VN" sz="3200" smtClean="0">
+                <a:latin typeface="SVN-Agency FB" panose="02040603050506020204" pitchFamily="18" charset="0"/>
+              </a:rPr>
+              <a:t>VÀO </a:t>
+            </a:r>
+            <a:r>
+              <a:rPr lang="vi-VN" sz="3200" dirty="0" smtClean="0">
+                <a:latin typeface="SVN-Agency FB" panose="02040603050506020204" pitchFamily="18" charset="0"/>
+              </a:rPr>
+              <a:t>NĂM 1980 BỞI LESLIE LAMPORT TỪ HỆ THỐNG TEX . PHIÊN BẢN HIỆN TẠI LÀ LaTeX 2e</a:t>
             </a:r>
             <a:endParaRPr lang="en-US" sz="3200" dirty="0" smtClean="0">
               <a:latin typeface="SVN-Agency FB" panose="02040603050506020204" pitchFamily="18" charset="0"/>
